--- a/我要歡唱（崇拜版）.pptx
+++ b/我要歡唱（崇拜版）.pptx
@@ -5,8 +5,11 @@
     <p:sldMasterId id="2147483660" r:id="rId1"/>
   </p:sldMasterIdLst>
   <p:sldIdLst>
-    <p:sldId id="257" r:id="rId2"/>
-    <p:sldId id="258" r:id="rId3"/>
+    <p:sldId id="259" r:id="rId2"/>
+    <p:sldId id="260" r:id="rId3"/>
+    <p:sldId id="261" r:id="rId4"/>
+    <p:sldId id="262" r:id="rId5"/>
+    <p:sldId id="263" r:id="rId6"/>
   </p:sldIdLst>
   <p:sldSz cx="12192000" cy="6858000"/>
   <p:notesSz cx="6858000" cy="9144000"/>
@@ -105,6 +108,11 @@
       </a:defRPr>
     </a:lvl9pPr>
   </p:defaultTextStyle>
+  <p:extLst>
+    <p:ext uri="{EFAFB233-063F-42B5-8137-9DF3F51BA10A}">
+      <p15:sldGuideLst xmlns:p15="http://schemas.microsoft.com/office/powerpoint/2012/main"/>
+    </p:ext>
+  </p:extLst>
 </p:presentation>
 </file>
 
@@ -289,7 +297,7 @@
           <a:p>
             <a:fld id="{240AD954-D095-4822-9C12-342771123F63}" type="datetimeFigureOut">
               <a:rPr lang="vi-VN" smtClean="0"/>
-              <a:t>13/03/2020</a:t>
+              <a:t>12/11/2021</a:t>
             </a:fld>
             <a:endParaRPr lang="vi-VN"/>
           </a:p>
@@ -459,7 +467,7 @@
           <a:p>
             <a:fld id="{240AD954-D095-4822-9C12-342771123F63}" type="datetimeFigureOut">
               <a:rPr lang="vi-VN" smtClean="0"/>
-              <a:t>13/03/2020</a:t>
+              <a:t>12/11/2021</a:t>
             </a:fld>
             <a:endParaRPr lang="vi-VN"/>
           </a:p>
@@ -639,7 +647,7 @@
           <a:p>
             <a:fld id="{240AD954-D095-4822-9C12-342771123F63}" type="datetimeFigureOut">
               <a:rPr lang="vi-VN" smtClean="0"/>
-              <a:t>13/03/2020</a:t>
+              <a:t>12/11/2021</a:t>
             </a:fld>
             <a:endParaRPr lang="vi-VN"/>
           </a:p>
@@ -809,7 +817,7 @@
           <a:p>
             <a:fld id="{240AD954-D095-4822-9C12-342771123F63}" type="datetimeFigureOut">
               <a:rPr lang="vi-VN" smtClean="0"/>
-              <a:t>13/03/2020</a:t>
+              <a:t>12/11/2021</a:t>
             </a:fld>
             <a:endParaRPr lang="vi-VN"/>
           </a:p>
@@ -1055,7 +1063,7 @@
           <a:p>
             <a:fld id="{240AD954-D095-4822-9C12-342771123F63}" type="datetimeFigureOut">
               <a:rPr lang="vi-VN" smtClean="0"/>
-              <a:t>13/03/2020</a:t>
+              <a:t>12/11/2021</a:t>
             </a:fld>
             <a:endParaRPr lang="vi-VN"/>
           </a:p>
@@ -1343,7 +1351,7 @@
           <a:p>
             <a:fld id="{240AD954-D095-4822-9C12-342771123F63}" type="datetimeFigureOut">
               <a:rPr lang="vi-VN" smtClean="0"/>
-              <a:t>13/03/2020</a:t>
+              <a:t>12/11/2021</a:t>
             </a:fld>
             <a:endParaRPr lang="vi-VN"/>
           </a:p>
@@ -1765,7 +1773,7 @@
           <a:p>
             <a:fld id="{240AD954-D095-4822-9C12-342771123F63}" type="datetimeFigureOut">
               <a:rPr lang="vi-VN" smtClean="0"/>
-              <a:t>13/03/2020</a:t>
+              <a:t>12/11/2021</a:t>
             </a:fld>
             <a:endParaRPr lang="vi-VN"/>
           </a:p>
@@ -1883,7 +1891,7 @@
           <a:p>
             <a:fld id="{240AD954-D095-4822-9C12-342771123F63}" type="datetimeFigureOut">
               <a:rPr lang="vi-VN" smtClean="0"/>
-              <a:t>13/03/2020</a:t>
+              <a:t>12/11/2021</a:t>
             </a:fld>
             <a:endParaRPr lang="vi-VN"/>
           </a:p>
@@ -1978,7 +1986,7 @@
           <a:p>
             <a:fld id="{240AD954-D095-4822-9C12-342771123F63}" type="datetimeFigureOut">
               <a:rPr lang="vi-VN" smtClean="0"/>
-              <a:t>13/03/2020</a:t>
+              <a:t>12/11/2021</a:t>
             </a:fld>
             <a:endParaRPr lang="vi-VN"/>
           </a:p>
@@ -2255,7 +2263,7 @@
           <a:p>
             <a:fld id="{240AD954-D095-4822-9C12-342771123F63}" type="datetimeFigureOut">
               <a:rPr lang="vi-VN" smtClean="0"/>
-              <a:t>13/03/2020</a:t>
+              <a:t>12/11/2021</a:t>
             </a:fld>
             <a:endParaRPr lang="vi-VN"/>
           </a:p>
@@ -2512,7 +2520,7 @@
           <a:p>
             <a:fld id="{240AD954-D095-4822-9C12-342771123F63}" type="datetimeFigureOut">
               <a:rPr lang="vi-VN" smtClean="0"/>
-              <a:t>13/03/2020</a:t>
+              <a:t>12/11/2021</a:t>
             </a:fld>
             <a:endParaRPr lang="vi-VN"/>
           </a:p>
@@ -2730,7 +2738,7 @@
           <a:p>
             <a:fld id="{240AD954-D095-4822-9C12-342771123F63}" type="datetimeFigureOut">
               <a:rPr lang="vi-VN" smtClean="0"/>
-              <a:t>13/03/2020</a:t>
+              <a:t>12/11/2021</a:t>
             </a:fld>
             <a:endParaRPr lang="vi-VN"/>
           </a:p>
@@ -3107,7 +3115,7 @@
       </p:grpSpPr>
       <p:sp>
         <p:nvSpPr>
-          <p:cNvPr id="2" name="Title 1"/>
+          <p:cNvPr id="4" name="標題 3"/>
           <p:cNvSpPr>
             <a:spLocks noGrp="1"/>
           </p:cNvSpPr>
@@ -3115,244 +3123,65 @@
             <p:ph type="title"/>
           </p:nvPr>
         </p:nvSpPr>
-        <p:spPr/>
+        <p:spPr>
+          <a:xfrm>
+            <a:off x="0" y="2660915"/>
+            <a:ext cx="12192000" cy="1143000"/>
+          </a:xfrm>
+        </p:spPr>
         <p:txBody>
           <a:bodyPr>
-            <a:normAutofit/>
+            <a:noAutofit/>
           </a:bodyPr>
           <a:lstStyle/>
           <a:p>
-            <a:pPr algn="ctr"/>
-            <a:r>
-              <a:rPr lang="zh-CN" altLang="en-US" sz="4800" b="1" dirty="0">
-                <a:latin typeface="Microsoft JhengHei" panose="020B0604030504040204" pitchFamily="34" charset="-120"/>
-                <a:ea typeface="Microsoft JhengHei" panose="020B0604030504040204" pitchFamily="34" charset="-120"/>
-              </a:rPr>
-              <a:t>我要歡唱</a:t>
-            </a:r>
-            <a:endParaRPr lang="vi-VN" sz="4800" b="1" dirty="0">
-              <a:ea typeface="Microsoft JhengHei" panose="020B0604030504040204" pitchFamily="34" charset="-120"/>
-            </a:endParaRPr>
-          </a:p>
-        </p:txBody>
-      </p:sp>
-      <p:sp>
-        <p:nvSpPr>
-          <p:cNvPr id="3" name="Content Placeholder 2"/>
-          <p:cNvSpPr>
-            <a:spLocks noGrp="1"/>
-          </p:cNvSpPr>
-          <p:nvPr>
-            <p:ph idx="1"/>
-          </p:nvPr>
-        </p:nvSpPr>
-        <p:spPr/>
-        <p:txBody>
-          <a:bodyPr>
-            <a:normAutofit/>
-          </a:bodyPr>
-          <a:lstStyle/>
-          <a:p>
-            <a:pPr marL="0" indent="0" algn="ctr">
-              <a:buNone/>
-            </a:pPr>
-            <a:r>
-              <a:rPr lang="zh-CN" altLang="en-US" sz="5400" b="1" dirty="0" smtClean="0">
-                <a:latin typeface="Microsoft JhengHei" panose="020B0604030504040204" pitchFamily="34" charset="-120"/>
-                <a:ea typeface="Microsoft JhengHei" panose="020B0604030504040204" pitchFamily="34" charset="-120"/>
-              </a:rPr>
-              <a:t>袮</a:t>
-            </a:r>
-            <a:r>
-              <a:rPr lang="zh-TW" altLang="en-US" sz="5400" b="1" dirty="0" smtClean="0">
-                <a:latin typeface="Microsoft JhengHei" panose="020B0604030504040204" pitchFamily="34" charset="-120"/>
-                <a:ea typeface="Microsoft JhengHei" panose="020B0604030504040204" pitchFamily="34" charset="-120"/>
-              </a:rPr>
-              <a:t>的</a:t>
-            </a:r>
-            <a:r>
-              <a:rPr lang="zh-TW" altLang="en-US" sz="5400" b="1" dirty="0">
-                <a:latin typeface="Microsoft JhengHei" panose="020B0604030504040204" pitchFamily="34" charset="-120"/>
-                <a:ea typeface="Microsoft JhengHei" panose="020B0604030504040204" pitchFamily="34" charset="-120"/>
-              </a:rPr>
-              <a:t>慈</a:t>
-            </a:r>
-            <a:r>
-              <a:rPr lang="zh-TW" altLang="en-US" sz="5400" b="1" dirty="0" smtClean="0">
-                <a:latin typeface="Microsoft JhengHei" panose="020B0604030504040204" pitchFamily="34" charset="-120"/>
-                <a:ea typeface="Microsoft JhengHei" panose="020B0604030504040204" pitchFamily="34" charset="-120"/>
-              </a:rPr>
-              <a:t>愛  高</a:t>
-            </a:r>
-            <a:r>
-              <a:rPr lang="zh-TW" altLang="en-US" sz="5400" b="1" dirty="0">
-                <a:latin typeface="Microsoft JhengHei" panose="020B0604030504040204" pitchFamily="34" charset="-120"/>
-                <a:ea typeface="Microsoft JhengHei" panose="020B0604030504040204" pitchFamily="34" charset="-120"/>
-              </a:rPr>
-              <a:t>及諸</a:t>
-            </a:r>
-            <a:r>
-              <a:rPr lang="zh-TW" altLang="en-US" sz="5400" b="1" dirty="0" smtClean="0">
-                <a:latin typeface="Microsoft JhengHei" panose="020B0604030504040204" pitchFamily="34" charset="-120"/>
-                <a:ea typeface="Microsoft JhengHei" panose="020B0604030504040204" pitchFamily="34" charset="-120"/>
-              </a:rPr>
-              <a:t>天</a:t>
-            </a:r>
-            <a:endParaRPr lang="en-US" altLang="zh-TW" sz="5400" b="1" dirty="0" smtClean="0">
-              <a:latin typeface="Microsoft JhengHei" panose="020B0604030504040204" pitchFamily="34" charset="-120"/>
-              <a:ea typeface="Microsoft JhengHei" panose="020B0604030504040204" pitchFamily="34" charset="-120"/>
-            </a:endParaRPr>
-          </a:p>
-          <a:p>
-            <a:pPr marL="0" indent="0" algn="ctr">
-              <a:buNone/>
-            </a:pPr>
-            <a:r>
-              <a:rPr lang="zh-CN" altLang="en-US" sz="5400" b="1" dirty="0">
-                <a:latin typeface="Microsoft JhengHei" panose="020B0604030504040204" pitchFamily="34" charset="-120"/>
-                <a:ea typeface="Microsoft JhengHei" panose="020B0604030504040204" pitchFamily="34" charset="-120"/>
-              </a:rPr>
-              <a:t>袮</a:t>
-            </a:r>
-            <a:r>
-              <a:rPr lang="zh-TW" altLang="en-US" sz="5400" b="1" dirty="0" smtClean="0">
-                <a:latin typeface="Microsoft JhengHei" panose="020B0604030504040204" pitchFamily="34" charset="-120"/>
-                <a:ea typeface="Microsoft JhengHei" panose="020B0604030504040204" pitchFamily="34" charset="-120"/>
-              </a:rPr>
-              <a:t>的</a:t>
-            </a:r>
-            <a:r>
-              <a:rPr lang="zh-TW" altLang="en-US" sz="5400" b="1" dirty="0">
-                <a:latin typeface="Microsoft JhengHei" panose="020B0604030504040204" pitchFamily="34" charset="-120"/>
-                <a:ea typeface="Microsoft JhengHei" panose="020B0604030504040204" pitchFamily="34" charset="-120"/>
-              </a:rPr>
-              <a:t>信</a:t>
-            </a:r>
-            <a:r>
-              <a:rPr lang="zh-TW" altLang="en-US" sz="5400" b="1" dirty="0" smtClean="0">
-                <a:latin typeface="Microsoft JhengHei" panose="020B0604030504040204" pitchFamily="34" charset="-120"/>
-                <a:ea typeface="Microsoft JhengHei" panose="020B0604030504040204" pitchFamily="34" charset="-120"/>
-              </a:rPr>
-              <a:t>實  上</a:t>
-            </a:r>
-            <a:r>
-              <a:rPr lang="zh-TW" altLang="en-US" sz="5400" b="1" dirty="0">
-                <a:latin typeface="Microsoft JhengHei" panose="020B0604030504040204" pitchFamily="34" charset="-120"/>
-                <a:ea typeface="Microsoft JhengHei" panose="020B0604030504040204" pitchFamily="34" charset="-120"/>
-              </a:rPr>
-              <a:t>達穹</a:t>
-            </a:r>
-            <a:r>
-              <a:rPr lang="zh-TW" altLang="en-US" sz="5400" b="1" dirty="0" smtClean="0">
-                <a:latin typeface="Microsoft JhengHei" panose="020B0604030504040204" pitchFamily="34" charset="-120"/>
-                <a:ea typeface="Microsoft JhengHei" panose="020B0604030504040204" pitchFamily="34" charset="-120"/>
-              </a:rPr>
-              <a:t>蒼</a:t>
-            </a:r>
-            <a:endParaRPr lang="en-US" altLang="zh-TW" sz="5400" b="1" dirty="0">
-              <a:latin typeface="Microsoft JhengHei" panose="020B0604030504040204" pitchFamily="34" charset="-120"/>
-              <a:ea typeface="Microsoft JhengHei" panose="020B0604030504040204" pitchFamily="34" charset="-120"/>
-            </a:endParaRPr>
-          </a:p>
-          <a:p>
-            <a:pPr marL="0" indent="0" algn="ctr">
-              <a:buNone/>
-            </a:pPr>
-            <a:r>
-              <a:rPr lang="zh-CN" altLang="en-US" sz="5400" b="1" dirty="0">
-                <a:latin typeface="Microsoft JhengHei" panose="020B0604030504040204" pitchFamily="34" charset="-120"/>
-                <a:ea typeface="Microsoft JhengHei" panose="020B0604030504040204" pitchFamily="34" charset="-120"/>
-              </a:rPr>
-              <a:t>袮</a:t>
-            </a:r>
-            <a:r>
-              <a:rPr lang="zh-TW" altLang="en-US" sz="5400" b="1" dirty="0" smtClean="0">
-                <a:latin typeface="Microsoft JhengHei" panose="020B0604030504040204" pitchFamily="34" charset="-120"/>
-                <a:ea typeface="Microsoft JhengHei" panose="020B0604030504040204" pitchFamily="34" charset="-120"/>
-              </a:rPr>
-              <a:t>的</a:t>
-            </a:r>
-            <a:r>
-              <a:rPr lang="zh-TW" altLang="en-US" sz="5400" b="1" dirty="0">
-                <a:latin typeface="Microsoft JhengHei" panose="020B0604030504040204" pitchFamily="34" charset="-120"/>
-                <a:ea typeface="Microsoft JhengHei" panose="020B0604030504040204" pitchFamily="34" charset="-120"/>
-              </a:rPr>
-              <a:t>聖</a:t>
-            </a:r>
-            <a:r>
-              <a:rPr lang="zh-TW" altLang="en-US" sz="5400" b="1" dirty="0" smtClean="0">
-                <a:latin typeface="Microsoft JhengHei" panose="020B0604030504040204" pitchFamily="34" charset="-120"/>
-                <a:ea typeface="Microsoft JhengHei" panose="020B0604030504040204" pitchFamily="34" charset="-120"/>
-              </a:rPr>
-              <a:t>潔   無</a:t>
-            </a:r>
-            <a:r>
-              <a:rPr lang="zh-TW" altLang="en-US" sz="5400" b="1" dirty="0">
-                <a:latin typeface="Microsoft JhengHei" panose="020B0604030504040204" pitchFamily="34" charset="-120"/>
-                <a:ea typeface="Microsoft JhengHei" panose="020B0604030504040204" pitchFamily="34" charset="-120"/>
-              </a:rPr>
-              <a:t>人能相</a:t>
-            </a:r>
-            <a:r>
-              <a:rPr lang="zh-TW" altLang="en-US" sz="5400" b="1" dirty="0" smtClean="0">
-                <a:latin typeface="Microsoft JhengHei" panose="020B0604030504040204" pitchFamily="34" charset="-120"/>
-                <a:ea typeface="Microsoft JhengHei" panose="020B0604030504040204" pitchFamily="34" charset="-120"/>
-              </a:rPr>
-              <a:t>比</a:t>
-            </a:r>
-            <a:endParaRPr lang="en-US" altLang="zh-TW" sz="5400" b="1" dirty="0" smtClean="0">
-              <a:latin typeface="Microsoft JhengHei" panose="020B0604030504040204" pitchFamily="34" charset="-120"/>
-              <a:ea typeface="Microsoft JhengHei" panose="020B0604030504040204" pitchFamily="34" charset="-120"/>
-            </a:endParaRPr>
-          </a:p>
-          <a:p>
-            <a:pPr marL="0" indent="0" algn="ctr">
-              <a:buNone/>
-            </a:pPr>
-            <a:r>
-              <a:rPr lang="zh-TW" altLang="en-US" sz="5400" b="1" dirty="0" smtClean="0">
-                <a:latin typeface="Microsoft JhengHei" panose="020B0604030504040204" pitchFamily="34" charset="-120"/>
-                <a:ea typeface="Microsoft JhengHei" panose="020B0604030504040204" pitchFamily="34" charset="-120"/>
+            <a:r>
+              <a:rPr lang="zh-CN" altLang="en-US" sz="7200" b="1" i="1" dirty="0">
+                <a:solidFill>
+                  <a:srgbClr val="000066"/>
+                </a:solidFill>
+                <a:effectLst>
+                  <a:outerShdw blurRad="38100" dist="38100" dir="2700000" algn="tl">
+                    <a:srgbClr val="000000">
+                      <a:alpha val="43137"/>
+                    </a:srgbClr>
+                  </a:outerShdw>
+                </a:effectLst>
+                <a:latin typeface="微軟正黑體" pitchFamily="34" charset="-120"/>
+                <a:ea typeface="微軟正黑體" pitchFamily="34" charset="-120"/>
               </a:rPr>
               <a:t>我</a:t>
             </a:r>
             <a:r>
-              <a:rPr lang="zh-TW" altLang="en-US" sz="5400" b="1" dirty="0">
-                <a:latin typeface="Microsoft JhengHei" panose="020B0604030504040204" pitchFamily="34" charset="-120"/>
-                <a:ea typeface="Microsoft JhengHei" panose="020B0604030504040204" pitchFamily="34" charset="-120"/>
+              <a:rPr lang="zh-CN" altLang="en-US" sz="7200" b="1" i="1" dirty="0">
+                <a:solidFill>
+                  <a:srgbClr val="000066"/>
+                </a:solidFill>
+                <a:effectLst>
+                  <a:outerShdw blurRad="38100" dist="38100" dir="2700000" algn="tl">
+                    <a:srgbClr val="000000">
+                      <a:alpha val="43137"/>
+                    </a:srgbClr>
+                  </a:outerShdw>
+                </a:effectLst>
+                <a:latin typeface="微軟正黑體" pitchFamily="34" charset="-120"/>
+                <a:ea typeface="微軟正黑體" pitchFamily="34" charset="-120"/>
               </a:rPr>
-              <a:t>要終日述</a:t>
-            </a:r>
-            <a:r>
-              <a:rPr lang="zh-TW" altLang="en-US" sz="5400" b="1" dirty="0" smtClean="0">
-                <a:latin typeface="Microsoft JhengHei" panose="020B0604030504040204" pitchFamily="34" charset="-120"/>
-                <a:ea typeface="Microsoft JhengHei" panose="020B0604030504040204" pitchFamily="34" charset="-120"/>
-              </a:rPr>
-              <a:t>說</a:t>
-            </a:r>
-            <a:r>
-              <a:rPr lang="zh-CN" altLang="en-US" sz="5400" b="1" dirty="0">
-                <a:latin typeface="Microsoft JhengHei" panose="020B0604030504040204" pitchFamily="34" charset="-120"/>
-                <a:ea typeface="Microsoft JhengHei" panose="020B0604030504040204" pitchFamily="34" charset="-120"/>
-              </a:rPr>
-              <a:t>袮</a:t>
-            </a:r>
-            <a:r>
-              <a:rPr lang="zh-TW" altLang="en-US" sz="5400" b="1" dirty="0" smtClean="0">
-                <a:latin typeface="Microsoft JhengHei" panose="020B0604030504040204" pitchFamily="34" charset="-120"/>
-                <a:ea typeface="Microsoft JhengHei" panose="020B0604030504040204" pitchFamily="34" charset="-120"/>
-              </a:rPr>
-              <a:t>的</a:t>
-            </a:r>
-            <a:r>
-              <a:rPr lang="zh-TW" altLang="en-US" sz="5400" b="1" dirty="0">
-                <a:latin typeface="Microsoft JhengHei" panose="020B0604030504040204" pitchFamily="34" charset="-120"/>
-                <a:ea typeface="Microsoft JhengHei" panose="020B0604030504040204" pitchFamily="34" charset="-120"/>
-              </a:rPr>
-              <a:t>榮耀</a:t>
-            </a:r>
-            <a:endParaRPr lang="vi-VN" sz="5400" b="1" dirty="0">
-              <a:ea typeface="Microsoft JhengHei" panose="020B0604030504040204" pitchFamily="34" charset="-120"/>
+              <a:t>要歡唱</a:t>
+            </a:r>
+            <a:endParaRPr lang="zh-TW" altLang="en-US" sz="7200" b="1" i="1" dirty="0">
+              <a:solidFill>
+                <a:srgbClr val="000066"/>
+              </a:solidFill>
+              <a:effectLst>
+                <a:outerShdw blurRad="38100" dist="38100" dir="2700000" algn="tl">
+                  <a:srgbClr val="000000">
+                    <a:alpha val="43137"/>
+                  </a:srgbClr>
+                </a:outerShdw>
+              </a:effectLst>
+              <a:latin typeface="微軟正黑體" pitchFamily="34" charset="-120"/>
+              <a:ea typeface="微軟正黑體" pitchFamily="34" charset="-120"/>
             </a:endParaRPr>
           </a:p>
         </p:txBody>
@@ -3360,7 +3189,7 @@
     </p:spTree>
     <p:extLst>
       <p:ext uri="{BB962C8B-B14F-4D97-AF65-F5344CB8AC3E}">
-        <p14:creationId xmlns:p14="http://schemas.microsoft.com/office/powerpoint/2010/main" val="3451221918"/>
+        <p14:creationId xmlns:p14="http://schemas.microsoft.com/office/powerpoint/2010/main" val="2934931081"/>
       </p:ext>
     </p:extLst>
   </p:cSld>
@@ -3389,261 +3218,823 @@
       </p:grpSpPr>
       <p:sp>
         <p:nvSpPr>
-          <p:cNvPr id="2" name="Title 1"/>
-          <p:cNvSpPr>
-            <a:spLocks noGrp="1"/>
-          </p:cNvSpPr>
-          <p:nvPr>
-            <p:ph type="title"/>
-          </p:nvPr>
-        </p:nvSpPr>
-        <p:spPr/>
-        <p:txBody>
-          <a:bodyPr>
+          <p:cNvPr id="5" name="內容版面配置區 4"/>
+          <p:cNvSpPr>
+            <a:spLocks noGrp="1"/>
+          </p:cNvSpPr>
+          <p:nvPr>
+            <p:ph idx="1"/>
+          </p:nvPr>
+        </p:nvSpPr>
+        <p:spPr>
+          <a:xfrm>
+            <a:off x="0" y="2084851"/>
+            <a:ext cx="12192000" cy="2404863"/>
+          </a:xfrm>
+        </p:spPr>
+        <p:txBody>
+          <a:bodyPr anchor="ctr">
             <a:normAutofit/>
           </a:bodyPr>
           <a:lstStyle/>
           <a:p>
+            <a:pPr marL="0" indent="0" algn="ctr">
+              <a:buNone/>
+            </a:pPr>
+            <a:r>
+              <a:rPr lang="zh-CN" altLang="en-US" sz="6400" b="1" dirty="0">
+                <a:solidFill>
+                  <a:srgbClr val="000066"/>
+                </a:solidFill>
+                <a:latin typeface="微軟正黑體" pitchFamily="34" charset="-120"/>
+                <a:ea typeface="微軟正黑體" pitchFamily="34" charset="-120"/>
+              </a:rPr>
+              <a:t>袮</a:t>
+            </a:r>
+            <a:r>
+              <a:rPr lang="zh-TW" altLang="en-US" sz="6400" b="1" dirty="0">
+                <a:solidFill>
+                  <a:srgbClr val="000066"/>
+                </a:solidFill>
+                <a:latin typeface="微軟正黑體" pitchFamily="34" charset="-120"/>
+                <a:ea typeface="微軟正黑體" pitchFamily="34" charset="-120"/>
+              </a:rPr>
+              <a:t>的慈愛  </a:t>
+            </a:r>
+            <a:r>
+              <a:rPr lang="zh-TW" altLang="en-US" sz="6400" b="1" dirty="0">
+                <a:solidFill>
+                  <a:srgbClr val="000066"/>
+                </a:solidFill>
+                <a:latin typeface="微軟正黑體" pitchFamily="34" charset="-120"/>
+                <a:ea typeface="微軟正黑體" pitchFamily="34" charset="-120"/>
+              </a:rPr>
+              <a:t> 高</a:t>
+            </a:r>
+            <a:r>
+              <a:rPr lang="zh-TW" altLang="en-US" sz="6400" b="1" dirty="0">
+                <a:solidFill>
+                  <a:srgbClr val="000066"/>
+                </a:solidFill>
+                <a:latin typeface="微軟正黑體" pitchFamily="34" charset="-120"/>
+                <a:ea typeface="微軟正黑體" pitchFamily="34" charset="-120"/>
+              </a:rPr>
+              <a:t>及諸天</a:t>
+            </a:r>
+            <a:endParaRPr lang="en-US" altLang="zh-TW" sz="6400" b="1" dirty="0">
+              <a:solidFill>
+                <a:srgbClr val="000066"/>
+              </a:solidFill>
+              <a:latin typeface="微軟正黑體" pitchFamily="34" charset="-120"/>
+              <a:ea typeface="微軟正黑體" pitchFamily="34" charset="-120"/>
+            </a:endParaRPr>
+          </a:p>
+          <a:p>
+            <a:pPr marL="0" indent="0" algn="ctr">
+              <a:buNone/>
+            </a:pPr>
+            <a:r>
+              <a:rPr lang="zh-CN" altLang="en-US" sz="6400" b="1" dirty="0">
+                <a:solidFill>
+                  <a:srgbClr val="000066"/>
+                </a:solidFill>
+                <a:latin typeface="微軟正黑體" pitchFamily="34" charset="-120"/>
+                <a:ea typeface="微軟正黑體" pitchFamily="34" charset="-120"/>
+              </a:rPr>
+              <a:t>袮</a:t>
+            </a:r>
+            <a:r>
+              <a:rPr lang="zh-TW" altLang="en-US" sz="6400" b="1" dirty="0">
+                <a:solidFill>
+                  <a:srgbClr val="000066"/>
+                </a:solidFill>
+                <a:latin typeface="微軟正黑體" pitchFamily="34" charset="-120"/>
+                <a:ea typeface="微軟正黑體" pitchFamily="34" charset="-120"/>
+              </a:rPr>
+              <a:t>的信實  </a:t>
+            </a:r>
+            <a:r>
+              <a:rPr lang="zh-TW" altLang="en-US" sz="6400" b="1" dirty="0">
+                <a:solidFill>
+                  <a:srgbClr val="000066"/>
+                </a:solidFill>
+                <a:latin typeface="微軟正黑體" pitchFamily="34" charset="-120"/>
+                <a:ea typeface="微軟正黑體" pitchFamily="34" charset="-120"/>
+              </a:rPr>
+              <a:t> 上</a:t>
+            </a:r>
+            <a:r>
+              <a:rPr lang="zh-TW" altLang="en-US" sz="6400" b="1" dirty="0">
+                <a:solidFill>
+                  <a:srgbClr val="000066"/>
+                </a:solidFill>
+                <a:latin typeface="微軟正黑體" pitchFamily="34" charset="-120"/>
+                <a:ea typeface="微軟正黑體" pitchFamily="34" charset="-120"/>
+              </a:rPr>
+              <a:t>達穹蒼</a:t>
+            </a:r>
+            <a:endParaRPr lang="en-US" altLang="zh-TW" sz="6400" b="1" dirty="0">
+              <a:solidFill>
+                <a:srgbClr val="000066"/>
+              </a:solidFill>
+              <a:latin typeface="微軟正黑體" pitchFamily="34" charset="-120"/>
+              <a:ea typeface="微軟正黑體" pitchFamily="34" charset="-120"/>
+            </a:endParaRPr>
+          </a:p>
+        </p:txBody>
+      </p:sp>
+      <p:sp>
+        <p:nvSpPr>
+          <p:cNvPr id="3" name="TextBox 2"/>
+          <p:cNvSpPr txBox="1"/>
+          <p:nvPr/>
+        </p:nvSpPr>
+        <p:spPr>
+          <a:xfrm>
+            <a:off x="0" y="5268592"/>
+            <a:ext cx="12192000" cy="830997"/>
+          </a:xfrm>
+          <a:prstGeom prst="rect">
+            <a:avLst/>
+          </a:prstGeom>
+          <a:noFill/>
+        </p:spPr>
+        <p:txBody>
+          <a:bodyPr wrap="square" rtlCol="0" anchor="ctr">
+            <a:spAutoFit/>
+          </a:bodyPr>
+          <a:lstStyle/>
+          <a:p>
             <a:pPr algn="ctr"/>
             <a:r>
-              <a:rPr lang="zh-CN" altLang="en-US" sz="4800" b="1" dirty="0">
+              <a:rPr lang="en-US" sz="4800" b="1" dirty="0">
+                <a:solidFill>
+                  <a:srgbClr val="000066"/>
+                </a:solidFill>
+                <a:effectLst/>
                 <a:latin typeface="Microsoft JhengHei" panose="020B0604030504040204" pitchFamily="34" charset="-120"/>
                 <a:ea typeface="Microsoft JhengHei" panose="020B0604030504040204" pitchFamily="34" charset="-120"/>
               </a:rPr>
-              <a:t>我要歡唱</a:t>
-            </a:r>
-            <a:endParaRPr lang="vi-VN" sz="4800" b="1" dirty="0">
-              <a:ea typeface="Microsoft JhengHei" panose="020B0604030504040204" pitchFamily="34" charset="-120"/>
-            </a:endParaRPr>
-          </a:p>
-        </p:txBody>
-      </p:sp>
-      <p:sp>
-        <p:nvSpPr>
-          <p:cNvPr id="3" name="Content Placeholder 2"/>
-          <p:cNvSpPr>
-            <a:spLocks noGrp="1"/>
-          </p:cNvSpPr>
-          <p:nvPr>
-            <p:ph idx="1"/>
-          </p:nvPr>
-        </p:nvSpPr>
-        <p:spPr/>
-        <p:txBody>
-          <a:bodyPr>
-            <a:normAutofit/>
-          </a:bodyPr>
-          <a:lstStyle/>
-          <a:p>
-            <a:pPr marL="0" indent="0" algn="ctr">
-              <a:buNone/>
-            </a:pPr>
-            <a:r>
-              <a:rPr lang="zh-TW" altLang="en-US" sz="5400" b="1" dirty="0">
+              <a:t>( </a:t>
+            </a:r>
+            <a:r>
+              <a:rPr lang="zh-CN" altLang="en-US" sz="4800" b="1" dirty="0">
+                <a:solidFill>
+                  <a:srgbClr val="000066"/>
+                </a:solidFill>
+                <a:effectLst/>
                 <a:latin typeface="Microsoft JhengHei" panose="020B0604030504040204" pitchFamily="34" charset="-120"/>
                 <a:ea typeface="Microsoft JhengHei" panose="020B0604030504040204" pitchFamily="34" charset="-120"/>
               </a:rPr>
-              <a:t>我要歡</a:t>
-            </a:r>
-            <a:r>
-              <a:rPr lang="zh-TW" altLang="en-US" sz="5400" b="1" dirty="0">
+              <a:t>正</a:t>
+            </a:r>
+            <a:r>
+              <a:rPr lang="en-US" altLang="zh-CN" sz="4800" b="1" dirty="0">
+                <a:solidFill>
+                  <a:srgbClr val="000066"/>
+                </a:solidFill>
+                <a:effectLst/>
                 <a:latin typeface="Microsoft JhengHei" panose="020B0604030504040204" pitchFamily="34" charset="-120"/>
                 <a:ea typeface="Microsoft JhengHei" panose="020B0604030504040204" pitchFamily="34" charset="-120"/>
               </a:rPr>
-              <a:t>唱  歌</a:t>
-            </a:r>
-            <a:r>
-              <a:rPr lang="zh-TW" altLang="en-US" sz="5400" b="1" dirty="0" smtClean="0">
+              <a:t> </a:t>
+            </a:r>
+            <a:r>
+              <a:rPr lang="en-US" sz="4800" b="1" dirty="0">
+                <a:solidFill>
+                  <a:srgbClr val="000066"/>
+                </a:solidFill>
+                <a:effectLst/>
                 <a:latin typeface="Microsoft JhengHei" panose="020B0604030504040204" pitchFamily="34" charset="-120"/>
                 <a:ea typeface="Microsoft JhengHei" panose="020B0604030504040204" pitchFamily="34" charset="-120"/>
               </a:rPr>
-              <a:t>頌</a:t>
-            </a:r>
-            <a:r>
-              <a:rPr lang="zh-CN" altLang="en-US" sz="5400" b="1" dirty="0">
+              <a:t>)</a:t>
+            </a:r>
+            <a:endParaRPr lang="vi-VN" sz="4800" b="1" dirty="0">
+              <a:solidFill>
+                <a:srgbClr val="000066"/>
+              </a:solidFill>
+              <a:effectLst/>
+              <a:ea typeface="Microsoft JhengHei" panose="020B0604030504040204" pitchFamily="34" charset="-120"/>
+            </a:endParaRPr>
+          </a:p>
+        </p:txBody>
+      </p:sp>
+    </p:spTree>
+    <p:extLst>
+      <p:ext uri="{BB962C8B-B14F-4D97-AF65-F5344CB8AC3E}">
+        <p14:creationId xmlns:p14="http://schemas.microsoft.com/office/powerpoint/2010/main" val="3962440355"/>
+      </p:ext>
+    </p:extLst>
+  </p:cSld>
+  <p:clrMapOvr>
+    <a:masterClrMapping/>
+  </p:clrMapOvr>
+</p:sld>
+</file>
+
+<file path=ppt/slides/slide3.xml><?xml version="1.0" encoding="utf-8"?>
+<p:sld xmlns:a="http://schemas.openxmlformats.org/drawingml/2006/main" xmlns:r="http://schemas.openxmlformats.org/officeDocument/2006/relationships" xmlns:p="http://schemas.openxmlformats.org/presentationml/2006/main">
+  <p:cSld>
+    <p:spTree>
+      <p:nvGrpSpPr>
+        <p:cNvPr id="1" name=""/>
+        <p:cNvGrpSpPr/>
+        <p:nvPr/>
+      </p:nvGrpSpPr>
+      <p:grpSpPr>
+        <a:xfrm>
+          <a:off x="0" y="0"/>
+          <a:ext cx="0" cy="0"/>
+          <a:chOff x="0" y="0"/>
+          <a:chExt cx="0" cy="0"/>
+        </a:xfrm>
+      </p:grpSpPr>
+      <p:sp>
+        <p:nvSpPr>
+          <p:cNvPr id="5" name="內容版面配置區 4"/>
+          <p:cNvSpPr>
+            <a:spLocks noGrp="1"/>
+          </p:cNvSpPr>
+          <p:nvPr>
+            <p:ph idx="1"/>
+          </p:nvPr>
+        </p:nvSpPr>
+        <p:spPr>
+          <a:xfrm>
+            <a:off x="0" y="2084851"/>
+            <a:ext cx="12192000" cy="2404863"/>
+          </a:xfrm>
+        </p:spPr>
+        <p:txBody>
+          <a:bodyPr anchor="ctr">
+            <a:normAutofit/>
+          </a:bodyPr>
+          <a:lstStyle/>
+          <a:p>
+            <a:pPr marL="0" indent="0" algn="ctr">
+              <a:buNone/>
+            </a:pPr>
+            <a:r>
+              <a:rPr lang="zh-CN" altLang="en-US" sz="6400" b="1" dirty="0">
+                <a:solidFill>
+                  <a:srgbClr val="000066"/>
+                </a:solidFill>
                 <a:latin typeface="Microsoft JhengHei" panose="020B0604030504040204" pitchFamily="34" charset="-120"/>
                 <a:ea typeface="Microsoft JhengHei" panose="020B0604030504040204" pitchFamily="34" charset="-120"/>
               </a:rPr>
               <a:t>袮</a:t>
             </a:r>
             <a:r>
-              <a:rPr lang="zh-TW" altLang="en-US" sz="5400" b="1" dirty="0" smtClean="0">
+              <a:rPr lang="zh-TW" altLang="en-US" sz="6400" b="1" dirty="0">
+                <a:solidFill>
+                  <a:srgbClr val="000066"/>
+                </a:solidFill>
                 <a:latin typeface="Microsoft JhengHei" panose="020B0604030504040204" pitchFamily="34" charset="-120"/>
                 <a:ea typeface="Microsoft JhengHei" panose="020B0604030504040204" pitchFamily="34" charset="-120"/>
               </a:rPr>
-              <a:t>無</a:t>
-            </a:r>
-            <a:r>
-              <a:rPr lang="zh-TW" altLang="en-US" sz="5400" b="1" dirty="0">
+              <a:t>的聖潔   無人能相比</a:t>
+            </a:r>
+            <a:endParaRPr lang="en-US" altLang="zh-TW" sz="6400" b="1" dirty="0">
+              <a:solidFill>
+                <a:srgbClr val="000066"/>
+              </a:solidFill>
+              <a:latin typeface="Microsoft JhengHei" panose="020B0604030504040204" pitchFamily="34" charset="-120"/>
+              <a:ea typeface="Microsoft JhengHei" panose="020B0604030504040204" pitchFamily="34" charset="-120"/>
+            </a:endParaRPr>
+          </a:p>
+          <a:p>
+            <a:pPr marL="0" indent="0" algn="ctr">
+              <a:buNone/>
+            </a:pPr>
+            <a:r>
+              <a:rPr lang="zh-TW" altLang="en-US" sz="6400" b="1" dirty="0">
+                <a:solidFill>
+                  <a:srgbClr val="000066"/>
+                </a:solidFill>
                 <a:latin typeface="Microsoft JhengHei" panose="020B0604030504040204" pitchFamily="34" charset="-120"/>
                 <a:ea typeface="Microsoft JhengHei" panose="020B0604030504040204" pitchFamily="34" charset="-120"/>
               </a:rPr>
-              <a:t>盡大</a:t>
-            </a:r>
-            <a:r>
-              <a:rPr lang="zh-TW" altLang="en-US" sz="5400" b="1" dirty="0">
-                <a:latin typeface="Microsoft JhengHei" panose="020B0604030504040204" pitchFamily="34" charset="-120"/>
-                <a:ea typeface="Microsoft JhengHei" panose="020B0604030504040204" pitchFamily="34" charset="-120"/>
-              </a:rPr>
-              <a:t>愛</a:t>
-            </a:r>
-            <a:endParaRPr lang="en-US" altLang="zh-TW" sz="5400" b="1" dirty="0">
-              <a:latin typeface="Microsoft JhengHei" panose="020B0604030504040204" pitchFamily="34" charset="-120"/>
-              <a:ea typeface="Microsoft JhengHei" panose="020B0604030504040204" pitchFamily="34" charset="-120"/>
-            </a:endParaRPr>
-          </a:p>
-          <a:p>
-            <a:pPr marL="0" indent="0" algn="ctr">
-              <a:buNone/>
-            </a:pPr>
-            <a:r>
-              <a:rPr lang="zh-TW" altLang="en-US" sz="5400" b="1" dirty="0">
-                <a:latin typeface="Microsoft JhengHei" panose="020B0604030504040204" pitchFamily="34" charset="-120"/>
-                <a:ea typeface="Microsoft JhengHei" panose="020B0604030504040204" pitchFamily="34" charset="-120"/>
-              </a:rPr>
-              <a:t>我</a:t>
-            </a:r>
-            <a:r>
-              <a:rPr lang="zh-TW" altLang="en-US" sz="5400" b="1" dirty="0">
-                <a:latin typeface="Microsoft JhengHei" panose="020B0604030504040204" pitchFamily="34" charset="-120"/>
-                <a:ea typeface="Microsoft JhengHei" panose="020B0604030504040204" pitchFamily="34" charset="-120"/>
-              </a:rPr>
-              <a:t>不住聲晝夜不停讚</a:t>
-            </a:r>
-            <a:r>
-              <a:rPr lang="zh-TW" altLang="en-US" sz="5400" b="1" dirty="0">
-                <a:latin typeface="Microsoft JhengHei" panose="020B0604030504040204" pitchFamily="34" charset="-120"/>
-                <a:ea typeface="Microsoft JhengHei" panose="020B0604030504040204" pitchFamily="34" charset="-120"/>
-              </a:rPr>
-              <a:t>美</a:t>
-            </a:r>
-            <a:endParaRPr lang="en-US" altLang="zh-TW" sz="5400" b="1" dirty="0">
-              <a:latin typeface="Microsoft JhengHei" panose="020B0604030504040204" pitchFamily="34" charset="-120"/>
-              <a:ea typeface="Microsoft JhengHei" panose="020B0604030504040204" pitchFamily="34" charset="-120"/>
-            </a:endParaRPr>
-          </a:p>
-          <a:p>
-            <a:pPr marL="0" indent="0" algn="ctr">
-              <a:buNone/>
-            </a:pPr>
-            <a:r>
-              <a:rPr lang="zh-TW" altLang="en-US" sz="5400" b="1" dirty="0">
-                <a:latin typeface="Microsoft JhengHei" panose="020B0604030504040204" pitchFamily="34" charset="-120"/>
-                <a:ea typeface="Microsoft JhengHei" panose="020B0604030504040204" pitchFamily="34" charset="-120"/>
-              </a:rPr>
-              <a:t>我</a:t>
-            </a:r>
-            <a:r>
-              <a:rPr lang="zh-TW" altLang="en-US" sz="5400" b="1" dirty="0">
-                <a:latin typeface="Microsoft JhengHei" panose="020B0604030504040204" pitchFamily="34" charset="-120"/>
-                <a:ea typeface="Microsoft JhengHei" panose="020B0604030504040204" pitchFamily="34" charset="-120"/>
-              </a:rPr>
-              <a:t>要歡</a:t>
-            </a:r>
-            <a:r>
-              <a:rPr lang="zh-TW" altLang="en-US" sz="5400" b="1" dirty="0">
-                <a:latin typeface="Microsoft JhengHei" panose="020B0604030504040204" pitchFamily="34" charset="-120"/>
-                <a:ea typeface="Microsoft JhengHei" panose="020B0604030504040204" pitchFamily="34" charset="-120"/>
-              </a:rPr>
-              <a:t>唱  述</a:t>
-            </a:r>
-            <a:r>
-              <a:rPr lang="zh-TW" altLang="en-US" sz="5400" b="1" dirty="0" smtClean="0">
-                <a:latin typeface="Microsoft JhengHei" panose="020B0604030504040204" pitchFamily="34" charset="-120"/>
-                <a:ea typeface="Microsoft JhengHei" panose="020B0604030504040204" pitchFamily="34" charset="-120"/>
-              </a:rPr>
-              <a:t>說</a:t>
-            </a:r>
-            <a:r>
-              <a:rPr lang="zh-CN" altLang="en-US" sz="5400" b="1" dirty="0">
+              <a:t>我要終日述說</a:t>
+            </a:r>
+            <a:r>
+              <a:rPr lang="zh-CN" altLang="en-US" sz="6400" b="1" dirty="0">
+                <a:solidFill>
+                  <a:srgbClr val="000066"/>
+                </a:solidFill>
                 <a:latin typeface="Microsoft JhengHei" panose="020B0604030504040204" pitchFamily="34" charset="-120"/>
                 <a:ea typeface="Microsoft JhengHei" panose="020B0604030504040204" pitchFamily="34" charset="-120"/>
               </a:rPr>
               <a:t>袮</a:t>
             </a:r>
             <a:r>
-              <a:rPr lang="zh-TW" altLang="en-US" sz="5400" b="1" dirty="0" smtClean="0">
+              <a:rPr lang="zh-TW" altLang="en-US" sz="6400" b="1" dirty="0">
+                <a:solidFill>
+                  <a:srgbClr val="000066"/>
+                </a:solidFill>
                 <a:latin typeface="Microsoft JhengHei" panose="020B0604030504040204" pitchFamily="34" charset="-120"/>
                 <a:ea typeface="Microsoft JhengHei" panose="020B0604030504040204" pitchFamily="34" charset="-120"/>
               </a:rPr>
-              <a:t>奇</a:t>
-            </a:r>
-            <a:r>
-              <a:rPr lang="zh-TW" altLang="en-US" sz="5400" b="1" dirty="0">
+              <a:t>的榮耀</a:t>
+            </a:r>
+            <a:endParaRPr lang="vi-VN" sz="6400" b="1" dirty="0">
+              <a:solidFill>
+                <a:srgbClr val="000066"/>
+              </a:solidFill>
+              <a:ea typeface="Microsoft JhengHei" panose="020B0604030504040204" pitchFamily="34" charset="-120"/>
+            </a:endParaRPr>
+          </a:p>
+        </p:txBody>
+      </p:sp>
+      <p:sp>
+        <p:nvSpPr>
+          <p:cNvPr id="3" name="TextBox 2"/>
+          <p:cNvSpPr txBox="1"/>
+          <p:nvPr/>
+        </p:nvSpPr>
+        <p:spPr>
+          <a:xfrm>
+            <a:off x="0" y="5268592"/>
+            <a:ext cx="12192000" cy="830997"/>
+          </a:xfrm>
+          <a:prstGeom prst="rect">
+            <a:avLst/>
+          </a:prstGeom>
+          <a:noFill/>
+        </p:spPr>
+        <p:txBody>
+          <a:bodyPr wrap="square" rtlCol="0" anchor="ctr">
+            <a:spAutoFit/>
+          </a:bodyPr>
+          <a:lstStyle/>
+          <a:p>
+            <a:pPr algn="ctr"/>
+            <a:r>
+              <a:rPr lang="en-US" sz="4800" b="1" dirty="0">
+                <a:solidFill>
+                  <a:srgbClr val="000066"/>
+                </a:solidFill>
+                <a:effectLst/>
                 <a:latin typeface="Microsoft JhengHei" panose="020B0604030504040204" pitchFamily="34" charset="-120"/>
                 <a:ea typeface="Microsoft JhengHei" panose="020B0604030504040204" pitchFamily="34" charset="-120"/>
               </a:rPr>
-              <a:t>妙作</a:t>
-            </a:r>
-            <a:r>
-              <a:rPr lang="zh-TW" altLang="en-US" sz="5400" b="1" dirty="0">
+              <a:t>( </a:t>
+            </a:r>
+            <a:r>
+              <a:rPr lang="zh-CN" altLang="en-US" sz="4800" b="1" dirty="0">
+                <a:solidFill>
+                  <a:srgbClr val="000066"/>
+                </a:solidFill>
+                <a:effectLst/>
                 <a:latin typeface="Microsoft JhengHei" panose="020B0604030504040204" pitchFamily="34" charset="-120"/>
                 <a:ea typeface="Microsoft JhengHei" panose="020B0604030504040204" pitchFamily="34" charset="-120"/>
               </a:rPr>
-              <a:t>為</a:t>
-            </a:r>
-            <a:endParaRPr lang="en-US" altLang="zh-TW" sz="5400" b="1" dirty="0">
-              <a:latin typeface="Microsoft JhengHei" panose="020B0604030504040204" pitchFamily="34" charset="-120"/>
-              <a:ea typeface="Microsoft JhengHei" panose="020B0604030504040204" pitchFamily="34" charset="-120"/>
-            </a:endParaRPr>
-          </a:p>
-          <a:p>
-            <a:pPr marL="0" indent="0" algn="ctr">
-              <a:buNone/>
-            </a:pPr>
-            <a:r>
-              <a:rPr lang="zh-TW" altLang="en-US" sz="5400" b="1" dirty="0">
+              <a:t>正</a:t>
+            </a:r>
+            <a:r>
+              <a:rPr lang="en-US" altLang="zh-CN" sz="4800" b="1" dirty="0">
+                <a:solidFill>
+                  <a:srgbClr val="000066"/>
+                </a:solidFill>
+                <a:effectLst/>
                 <a:latin typeface="Microsoft JhengHei" panose="020B0604030504040204" pitchFamily="34" charset="-120"/>
                 <a:ea typeface="Microsoft JhengHei" panose="020B0604030504040204" pitchFamily="34" charset="-120"/>
               </a:rPr>
-              <a:t>我</a:t>
-            </a:r>
-            <a:r>
-              <a:rPr lang="zh-TW" altLang="en-US" sz="5400" b="1" dirty="0">
+              <a:t> </a:t>
+            </a:r>
+            <a:r>
+              <a:rPr lang="en-US" sz="4800" b="1" dirty="0">
+                <a:solidFill>
+                  <a:srgbClr val="000066"/>
+                </a:solidFill>
+                <a:effectLst/>
                 <a:latin typeface="Microsoft JhengHei" panose="020B0604030504040204" pitchFamily="34" charset="-120"/>
                 <a:ea typeface="Microsoft JhengHei" panose="020B0604030504040204" pitchFamily="34" charset="-120"/>
               </a:rPr>
-              <a:t>稱</a:t>
-            </a:r>
-            <a:r>
-              <a:rPr lang="zh-TW" altLang="en-US" sz="5400" b="1" dirty="0" smtClean="0">
+              <a:t>)</a:t>
+            </a:r>
+            <a:endParaRPr lang="vi-VN" sz="4800" b="1" dirty="0">
+              <a:solidFill>
+                <a:srgbClr val="000066"/>
+              </a:solidFill>
+              <a:effectLst/>
+              <a:ea typeface="Microsoft JhengHei" panose="020B0604030504040204" pitchFamily="34" charset="-120"/>
+            </a:endParaRPr>
+          </a:p>
+        </p:txBody>
+      </p:sp>
+    </p:spTree>
+    <p:extLst>
+      <p:ext uri="{BB962C8B-B14F-4D97-AF65-F5344CB8AC3E}">
+        <p14:creationId xmlns:p14="http://schemas.microsoft.com/office/powerpoint/2010/main" val="536851237"/>
+      </p:ext>
+    </p:extLst>
+  </p:cSld>
+  <p:clrMapOvr>
+    <a:masterClrMapping/>
+  </p:clrMapOvr>
+</p:sld>
+</file>
+
+<file path=ppt/slides/slide4.xml><?xml version="1.0" encoding="utf-8"?>
+<p:sld xmlns:a="http://schemas.openxmlformats.org/drawingml/2006/main" xmlns:r="http://schemas.openxmlformats.org/officeDocument/2006/relationships" xmlns:p="http://schemas.openxmlformats.org/presentationml/2006/main">
+  <p:cSld>
+    <p:spTree>
+      <p:nvGrpSpPr>
+        <p:cNvPr id="1" name=""/>
+        <p:cNvGrpSpPr/>
+        <p:nvPr/>
+      </p:nvGrpSpPr>
+      <p:grpSpPr>
+        <a:xfrm>
+          <a:off x="0" y="0"/>
+          <a:ext cx="0" cy="0"/>
+          <a:chOff x="0" y="0"/>
+          <a:chExt cx="0" cy="0"/>
+        </a:xfrm>
+      </p:grpSpPr>
+      <p:sp>
+        <p:nvSpPr>
+          <p:cNvPr id="5" name="內容版面配置區 4"/>
+          <p:cNvSpPr>
+            <a:spLocks noGrp="1"/>
+          </p:cNvSpPr>
+          <p:nvPr>
+            <p:ph idx="1"/>
+          </p:nvPr>
+        </p:nvSpPr>
+        <p:spPr>
+          <a:xfrm>
+            <a:off x="0" y="2084851"/>
+            <a:ext cx="12192000" cy="2404863"/>
+          </a:xfrm>
+        </p:spPr>
+        <p:txBody>
+          <a:bodyPr anchor="ctr">
+            <a:normAutofit/>
+          </a:bodyPr>
+          <a:lstStyle/>
+          <a:p>
+            <a:pPr marL="0" indent="0" algn="ctr">
+              <a:buNone/>
+            </a:pPr>
+            <a:r>
+              <a:rPr lang="zh-TW" altLang="en-US" sz="6400" b="1" dirty="0">
+                <a:solidFill>
+                  <a:srgbClr val="000066"/>
+                </a:solidFill>
                 <a:latin typeface="Microsoft JhengHei" panose="020B0604030504040204" pitchFamily="34" charset="-120"/>
                 <a:ea typeface="Microsoft JhengHei" panose="020B0604030504040204" pitchFamily="34" charset="-120"/>
               </a:rPr>
-              <a:t>謝</a:t>
-            </a:r>
-            <a:r>
-              <a:rPr lang="zh-CN" altLang="en-US" sz="5400" b="1" dirty="0">
+              <a:t>我要歡唱   歌頌</a:t>
+            </a:r>
+            <a:r>
+              <a:rPr lang="zh-CN" altLang="en-US" sz="6400" b="1" dirty="0">
+                <a:solidFill>
+                  <a:srgbClr val="000066"/>
+                </a:solidFill>
                 <a:latin typeface="Microsoft JhengHei" panose="020B0604030504040204" pitchFamily="34" charset="-120"/>
                 <a:ea typeface="Microsoft JhengHei" panose="020B0604030504040204" pitchFamily="34" charset="-120"/>
               </a:rPr>
               <a:t>袮</a:t>
             </a:r>
             <a:r>
-              <a:rPr lang="zh-TW" altLang="en-US" sz="5400" b="1" dirty="0" smtClean="0">
+              <a:rPr lang="zh-TW" altLang="en-US" sz="6400" b="1" dirty="0">
+                <a:solidFill>
+                  <a:srgbClr val="000066"/>
+                </a:solidFill>
                 <a:latin typeface="Microsoft JhengHei" panose="020B0604030504040204" pitchFamily="34" charset="-120"/>
                 <a:ea typeface="Microsoft JhengHei" panose="020B0604030504040204" pitchFamily="34" charset="-120"/>
               </a:rPr>
-              <a:t>直</a:t>
-            </a:r>
-            <a:r>
-              <a:rPr lang="zh-TW" altLang="en-US" sz="5400" b="1" dirty="0">
+              <a:t>無盡大愛</a:t>
+            </a:r>
+            <a:endParaRPr lang="en-US" altLang="zh-TW" sz="6400" b="1" dirty="0">
+              <a:solidFill>
+                <a:srgbClr val="000066"/>
+              </a:solidFill>
+              <a:latin typeface="Microsoft JhengHei" panose="020B0604030504040204" pitchFamily="34" charset="-120"/>
+              <a:ea typeface="Microsoft JhengHei" panose="020B0604030504040204" pitchFamily="34" charset="-120"/>
+            </a:endParaRPr>
+          </a:p>
+          <a:p>
+            <a:pPr marL="0" indent="0" algn="ctr">
+              <a:buNone/>
+            </a:pPr>
+            <a:r>
+              <a:rPr lang="zh-TW" altLang="en-US" sz="6400" b="1" dirty="0">
+                <a:solidFill>
+                  <a:srgbClr val="000066"/>
+                </a:solidFill>
                 <a:latin typeface="Microsoft JhengHei" panose="020B0604030504040204" pitchFamily="34" charset="-120"/>
                 <a:ea typeface="Microsoft JhengHei" panose="020B0604030504040204" pitchFamily="34" charset="-120"/>
               </a:rPr>
-              <a:t>到永永遠遠</a:t>
-            </a:r>
-            <a:endParaRPr lang="vi-VN" sz="5400" b="1" dirty="0">
+              <a:t>我不住聲晝夜不停讚美</a:t>
+            </a:r>
+            <a:endParaRPr lang="en-US" altLang="zh-TW" sz="6400" b="1" dirty="0">
+              <a:solidFill>
+                <a:srgbClr val="000066"/>
+              </a:solidFill>
               <a:latin typeface="Microsoft JhengHei" panose="020B0604030504040204" pitchFamily="34" charset="-120"/>
               <a:ea typeface="Microsoft JhengHei" panose="020B0604030504040204" pitchFamily="34" charset="-120"/>
             </a:endParaRPr>
           </a:p>
         </p:txBody>
       </p:sp>
+      <p:sp>
+        <p:nvSpPr>
+          <p:cNvPr id="3" name="TextBox 2"/>
+          <p:cNvSpPr txBox="1"/>
+          <p:nvPr/>
+        </p:nvSpPr>
+        <p:spPr>
+          <a:xfrm>
+            <a:off x="0" y="5268592"/>
+            <a:ext cx="12192000" cy="830997"/>
+          </a:xfrm>
+          <a:prstGeom prst="rect">
+            <a:avLst/>
+          </a:prstGeom>
+          <a:noFill/>
+        </p:spPr>
+        <p:txBody>
+          <a:bodyPr wrap="square" rtlCol="0" anchor="ctr">
+            <a:spAutoFit/>
+          </a:bodyPr>
+          <a:lstStyle/>
+          <a:p>
+            <a:pPr algn="ctr"/>
+            <a:r>
+              <a:rPr lang="en-US" sz="4800" b="1" dirty="0">
+                <a:solidFill>
+                  <a:srgbClr val="000066"/>
+                </a:solidFill>
+                <a:effectLst/>
+                <a:latin typeface="Microsoft JhengHei" panose="020B0604030504040204" pitchFamily="34" charset="-120"/>
+                <a:ea typeface="Microsoft JhengHei" panose="020B0604030504040204" pitchFamily="34" charset="-120"/>
+              </a:rPr>
+              <a:t>( </a:t>
+            </a:r>
+            <a:r>
+              <a:rPr lang="zh-CN" altLang="en-US" sz="4800" b="1" dirty="0">
+                <a:solidFill>
+                  <a:srgbClr val="000066"/>
+                </a:solidFill>
+                <a:effectLst/>
+                <a:latin typeface="Microsoft JhengHei" panose="020B0604030504040204" pitchFamily="34" charset="-120"/>
+                <a:ea typeface="Microsoft JhengHei" panose="020B0604030504040204" pitchFamily="34" charset="-120"/>
+              </a:rPr>
+              <a:t>副</a:t>
+            </a:r>
+            <a:r>
+              <a:rPr lang="en-US" altLang="zh-CN" sz="4800" b="1" dirty="0">
+                <a:solidFill>
+                  <a:srgbClr val="000066"/>
+                </a:solidFill>
+                <a:effectLst/>
+                <a:latin typeface="Microsoft JhengHei" panose="020B0604030504040204" pitchFamily="34" charset="-120"/>
+                <a:ea typeface="Microsoft JhengHei" panose="020B0604030504040204" pitchFamily="34" charset="-120"/>
+              </a:rPr>
+              <a:t> </a:t>
+            </a:r>
+            <a:r>
+              <a:rPr lang="en-US" sz="4800" b="1" dirty="0">
+                <a:solidFill>
+                  <a:srgbClr val="000066"/>
+                </a:solidFill>
+                <a:effectLst/>
+                <a:latin typeface="Microsoft JhengHei" panose="020B0604030504040204" pitchFamily="34" charset="-120"/>
+                <a:ea typeface="Microsoft JhengHei" panose="020B0604030504040204" pitchFamily="34" charset="-120"/>
+              </a:rPr>
+              <a:t>)</a:t>
+            </a:r>
+            <a:endParaRPr lang="vi-VN" sz="4800" b="1" dirty="0">
+              <a:solidFill>
+                <a:srgbClr val="000066"/>
+              </a:solidFill>
+              <a:effectLst/>
+              <a:ea typeface="Microsoft JhengHei" panose="020B0604030504040204" pitchFamily="34" charset="-120"/>
+            </a:endParaRPr>
+          </a:p>
+        </p:txBody>
+      </p:sp>
     </p:spTree>
     <p:extLst>
       <p:ext uri="{BB962C8B-B14F-4D97-AF65-F5344CB8AC3E}">
-        <p14:creationId xmlns:p14="http://schemas.microsoft.com/office/powerpoint/2010/main" val="1692589052"/>
+        <p14:creationId xmlns:p14="http://schemas.microsoft.com/office/powerpoint/2010/main" val="451475466"/>
+      </p:ext>
+    </p:extLst>
+  </p:cSld>
+  <p:clrMapOvr>
+    <a:masterClrMapping/>
+  </p:clrMapOvr>
+</p:sld>
+</file>
+
+<file path=ppt/slides/slide5.xml><?xml version="1.0" encoding="utf-8"?>
+<p:sld xmlns:a="http://schemas.openxmlformats.org/drawingml/2006/main" xmlns:r="http://schemas.openxmlformats.org/officeDocument/2006/relationships" xmlns:p="http://schemas.openxmlformats.org/presentationml/2006/main">
+  <p:cSld>
+    <p:spTree>
+      <p:nvGrpSpPr>
+        <p:cNvPr id="1" name=""/>
+        <p:cNvGrpSpPr/>
+        <p:nvPr/>
+      </p:nvGrpSpPr>
+      <p:grpSpPr>
+        <a:xfrm>
+          <a:off x="0" y="0"/>
+          <a:ext cx="0" cy="0"/>
+          <a:chOff x="0" y="0"/>
+          <a:chExt cx="0" cy="0"/>
+        </a:xfrm>
+      </p:grpSpPr>
+      <p:sp>
+        <p:nvSpPr>
+          <p:cNvPr id="5" name="內容版面配置區 4"/>
+          <p:cNvSpPr>
+            <a:spLocks noGrp="1"/>
+          </p:cNvSpPr>
+          <p:nvPr>
+            <p:ph idx="1"/>
+          </p:nvPr>
+        </p:nvSpPr>
+        <p:spPr>
+          <a:xfrm>
+            <a:off x="0" y="2084851"/>
+            <a:ext cx="12192000" cy="2404863"/>
+          </a:xfrm>
+        </p:spPr>
+        <p:txBody>
+          <a:bodyPr anchor="ctr">
+            <a:normAutofit/>
+          </a:bodyPr>
+          <a:lstStyle/>
+          <a:p>
+            <a:pPr marL="0" indent="0" algn="ctr">
+              <a:buNone/>
+            </a:pPr>
+            <a:r>
+              <a:rPr lang="zh-TW" altLang="en-US" sz="6400" b="1" dirty="0">
+                <a:solidFill>
+                  <a:srgbClr val="000066"/>
+                </a:solidFill>
+                <a:latin typeface="Microsoft JhengHei" panose="020B0604030504040204" pitchFamily="34" charset="-120"/>
+                <a:ea typeface="Microsoft JhengHei" panose="020B0604030504040204" pitchFamily="34" charset="-120"/>
+              </a:rPr>
+              <a:t>我要歡唱   述說</a:t>
+            </a:r>
+            <a:r>
+              <a:rPr lang="zh-CN" altLang="en-US" sz="6400" b="1" dirty="0">
+                <a:solidFill>
+                  <a:srgbClr val="000066"/>
+                </a:solidFill>
+                <a:latin typeface="Microsoft JhengHei" panose="020B0604030504040204" pitchFamily="34" charset="-120"/>
+                <a:ea typeface="Microsoft JhengHei" panose="020B0604030504040204" pitchFamily="34" charset="-120"/>
+              </a:rPr>
+              <a:t>袮</a:t>
+            </a:r>
+            <a:r>
+              <a:rPr lang="zh-TW" altLang="en-US" sz="6400" b="1" dirty="0">
+                <a:solidFill>
+                  <a:srgbClr val="000066"/>
+                </a:solidFill>
+                <a:latin typeface="Microsoft JhengHei" panose="020B0604030504040204" pitchFamily="34" charset="-120"/>
+                <a:ea typeface="Microsoft JhengHei" panose="020B0604030504040204" pitchFamily="34" charset="-120"/>
+              </a:rPr>
+              <a:t>奇妙作為</a:t>
+            </a:r>
+            <a:endParaRPr lang="en-US" altLang="zh-TW" sz="6400" b="1" dirty="0">
+              <a:solidFill>
+                <a:srgbClr val="000066"/>
+              </a:solidFill>
+              <a:latin typeface="Microsoft JhengHei" panose="020B0604030504040204" pitchFamily="34" charset="-120"/>
+              <a:ea typeface="Microsoft JhengHei" panose="020B0604030504040204" pitchFamily="34" charset="-120"/>
+            </a:endParaRPr>
+          </a:p>
+          <a:p>
+            <a:pPr marL="0" indent="0" algn="ctr">
+              <a:buNone/>
+            </a:pPr>
+            <a:r>
+              <a:rPr lang="zh-TW" altLang="en-US" sz="6400" b="1" dirty="0">
+                <a:solidFill>
+                  <a:srgbClr val="000066"/>
+                </a:solidFill>
+                <a:latin typeface="Microsoft JhengHei" panose="020B0604030504040204" pitchFamily="34" charset="-120"/>
+                <a:ea typeface="Microsoft JhengHei" panose="020B0604030504040204" pitchFamily="34" charset="-120"/>
+              </a:rPr>
+              <a:t>我稱謝</a:t>
+            </a:r>
+            <a:r>
+              <a:rPr lang="zh-CN" altLang="en-US" sz="6400" b="1" dirty="0">
+                <a:solidFill>
+                  <a:srgbClr val="000066"/>
+                </a:solidFill>
+                <a:latin typeface="Microsoft JhengHei" panose="020B0604030504040204" pitchFamily="34" charset="-120"/>
+                <a:ea typeface="Microsoft JhengHei" panose="020B0604030504040204" pitchFamily="34" charset="-120"/>
+              </a:rPr>
+              <a:t>袮</a:t>
+            </a:r>
+            <a:r>
+              <a:rPr lang="zh-TW" altLang="en-US" sz="6400" b="1" dirty="0">
+                <a:solidFill>
+                  <a:srgbClr val="000066"/>
+                </a:solidFill>
+                <a:latin typeface="Microsoft JhengHei" panose="020B0604030504040204" pitchFamily="34" charset="-120"/>
+                <a:ea typeface="Microsoft JhengHei" panose="020B0604030504040204" pitchFamily="34" charset="-120"/>
+              </a:rPr>
+              <a:t>直到永永遠遠</a:t>
+            </a:r>
+            <a:endParaRPr lang="en-US" altLang="zh-TW" sz="6400" b="1" dirty="0">
+              <a:solidFill>
+                <a:srgbClr val="000066"/>
+              </a:solidFill>
+              <a:latin typeface="Microsoft JhengHei" panose="020B0604030504040204" pitchFamily="34" charset="-120"/>
+              <a:ea typeface="Microsoft JhengHei" panose="020B0604030504040204" pitchFamily="34" charset="-120"/>
+            </a:endParaRPr>
+          </a:p>
+        </p:txBody>
+      </p:sp>
+      <p:sp>
+        <p:nvSpPr>
+          <p:cNvPr id="3" name="TextBox 2"/>
+          <p:cNvSpPr txBox="1"/>
+          <p:nvPr/>
+        </p:nvSpPr>
+        <p:spPr>
+          <a:xfrm>
+            <a:off x="0" y="5268592"/>
+            <a:ext cx="12192000" cy="830997"/>
+          </a:xfrm>
+          <a:prstGeom prst="rect">
+            <a:avLst/>
+          </a:prstGeom>
+          <a:noFill/>
+        </p:spPr>
+        <p:txBody>
+          <a:bodyPr wrap="square" rtlCol="0" anchor="ctr">
+            <a:spAutoFit/>
+          </a:bodyPr>
+          <a:lstStyle/>
+          <a:p>
+            <a:pPr algn="ctr"/>
+            <a:r>
+              <a:rPr lang="en-US" sz="4800" b="1" dirty="0">
+                <a:solidFill>
+                  <a:srgbClr val="000066"/>
+                </a:solidFill>
+                <a:effectLst/>
+                <a:latin typeface="Microsoft JhengHei" panose="020B0604030504040204" pitchFamily="34" charset="-120"/>
+                <a:ea typeface="Microsoft JhengHei" panose="020B0604030504040204" pitchFamily="34" charset="-120"/>
+              </a:rPr>
+              <a:t>( </a:t>
+            </a:r>
+            <a:r>
+              <a:rPr lang="zh-CN" altLang="en-US" sz="4800" b="1" dirty="0">
+                <a:solidFill>
+                  <a:srgbClr val="000066"/>
+                </a:solidFill>
+                <a:effectLst/>
+                <a:latin typeface="Microsoft JhengHei" panose="020B0604030504040204" pitchFamily="34" charset="-120"/>
+                <a:ea typeface="Microsoft JhengHei" panose="020B0604030504040204" pitchFamily="34" charset="-120"/>
+              </a:rPr>
+              <a:t>副</a:t>
+            </a:r>
+            <a:r>
+              <a:rPr lang="en-US" altLang="zh-CN" sz="4800" b="1" dirty="0">
+                <a:solidFill>
+                  <a:srgbClr val="000066"/>
+                </a:solidFill>
+                <a:effectLst/>
+                <a:latin typeface="Microsoft JhengHei" panose="020B0604030504040204" pitchFamily="34" charset="-120"/>
+                <a:ea typeface="Microsoft JhengHei" panose="020B0604030504040204" pitchFamily="34" charset="-120"/>
+              </a:rPr>
+              <a:t> </a:t>
+            </a:r>
+            <a:r>
+              <a:rPr lang="en-US" sz="4800" b="1" dirty="0">
+                <a:solidFill>
+                  <a:srgbClr val="000066"/>
+                </a:solidFill>
+                <a:effectLst/>
+                <a:latin typeface="Microsoft JhengHei" panose="020B0604030504040204" pitchFamily="34" charset="-120"/>
+                <a:ea typeface="Microsoft JhengHei" panose="020B0604030504040204" pitchFamily="34" charset="-120"/>
+              </a:rPr>
+              <a:t>)</a:t>
+            </a:r>
+            <a:endParaRPr lang="vi-VN" sz="4800" b="1" dirty="0">
+              <a:solidFill>
+                <a:srgbClr val="000066"/>
+              </a:solidFill>
+              <a:effectLst/>
+              <a:ea typeface="Microsoft JhengHei" panose="020B0604030504040204" pitchFamily="34" charset="-120"/>
+            </a:endParaRPr>
+          </a:p>
+        </p:txBody>
+      </p:sp>
+    </p:spTree>
+    <p:extLst>
+      <p:ext uri="{BB962C8B-B14F-4D97-AF65-F5344CB8AC3E}">
+        <p14:creationId xmlns:p14="http://schemas.microsoft.com/office/powerpoint/2010/main" val="4196793118"/>
       </p:ext>
     </p:extLst>
   </p:cSld>

--- a/我要歡唱（崇拜版）.pptx
+++ b/我要歡唱（崇拜版）.pptx
@@ -154,7 +154,7 @@
           <a:lstStyle/>
           <a:p>
             <a:r>
-              <a:rPr lang="en-US" altLang="zh-TW" smtClean="0"/>
+              <a:rPr lang="en-US" altLang="zh-TW"/>
               <a:t>Click to edit Master title style</a:t>
             </a:r>
             <a:endParaRPr lang="zh-TW" altLang="en-US"/>
@@ -273,7 +273,7 @@
           </a:lstStyle>
           <a:p>
             <a:r>
-              <a:rPr lang="en-US" altLang="zh-TW" smtClean="0"/>
+              <a:rPr lang="en-US" altLang="zh-TW"/>
               <a:t>Click to edit Master subtitle style</a:t>
             </a:r>
             <a:endParaRPr lang="zh-TW" altLang="en-US"/>
@@ -297,7 +297,7 @@
           <a:p>
             <a:fld id="{240AD954-D095-4822-9C12-342771123F63}" type="datetimeFigureOut">
               <a:rPr lang="vi-VN" smtClean="0"/>
-              <a:t>12/11/2021</a:t>
+              <a:t>20/01/2024</a:t>
             </a:fld>
             <a:endParaRPr lang="vi-VN"/>
           </a:p>
@@ -391,7 +391,7 @@
           <a:lstStyle/>
           <a:p>
             <a:r>
-              <a:rPr lang="en-US" altLang="zh-TW" smtClean="0"/>
+              <a:rPr lang="en-US" altLang="zh-TW"/>
               <a:t>Click to edit Master title style</a:t>
             </a:r>
             <a:endParaRPr lang="zh-TW" altLang="en-US"/>
@@ -415,35 +415,35 @@
           <a:p>
             <a:pPr lvl="0"/>
             <a:r>
-              <a:rPr lang="en-US" altLang="zh-TW" smtClean="0"/>
+              <a:rPr lang="en-US" altLang="zh-TW"/>
               <a:t>Edit Master text styles</a:t>
             </a:r>
           </a:p>
           <a:p>
             <a:pPr lvl="1"/>
             <a:r>
-              <a:rPr lang="en-US" altLang="zh-TW" smtClean="0"/>
+              <a:rPr lang="en-US" altLang="zh-TW"/>
               <a:t>Second level</a:t>
             </a:r>
           </a:p>
           <a:p>
             <a:pPr lvl="2"/>
             <a:r>
-              <a:rPr lang="en-US" altLang="zh-TW" smtClean="0"/>
+              <a:rPr lang="en-US" altLang="zh-TW"/>
               <a:t>Third level</a:t>
             </a:r>
           </a:p>
           <a:p>
             <a:pPr lvl="3"/>
             <a:r>
-              <a:rPr lang="en-US" altLang="zh-TW" smtClean="0"/>
+              <a:rPr lang="en-US" altLang="zh-TW"/>
               <a:t>Fourth level</a:t>
             </a:r>
           </a:p>
           <a:p>
             <a:pPr lvl="4"/>
             <a:r>
-              <a:rPr lang="en-US" altLang="zh-TW" smtClean="0"/>
+              <a:rPr lang="en-US" altLang="zh-TW"/>
               <a:t>Fifth level</a:t>
             </a:r>
             <a:endParaRPr lang="zh-TW" altLang="en-US"/>
@@ -467,7 +467,7 @@
           <a:p>
             <a:fld id="{240AD954-D095-4822-9C12-342771123F63}" type="datetimeFigureOut">
               <a:rPr lang="vi-VN" smtClean="0"/>
-              <a:t>12/11/2021</a:t>
+              <a:t>20/01/2024</a:t>
             </a:fld>
             <a:endParaRPr lang="vi-VN"/>
           </a:p>
@@ -566,7 +566,7 @@
           <a:lstStyle/>
           <a:p>
             <a:r>
-              <a:rPr lang="en-US" altLang="zh-TW" smtClean="0"/>
+              <a:rPr lang="en-US" altLang="zh-TW"/>
               <a:t>Click to edit Master title style</a:t>
             </a:r>
             <a:endParaRPr lang="zh-TW" altLang="en-US"/>
@@ -595,35 +595,35 @@
           <a:p>
             <a:pPr lvl="0"/>
             <a:r>
-              <a:rPr lang="en-US" altLang="zh-TW" smtClean="0"/>
+              <a:rPr lang="en-US" altLang="zh-TW"/>
               <a:t>Edit Master text styles</a:t>
             </a:r>
           </a:p>
           <a:p>
             <a:pPr lvl="1"/>
             <a:r>
-              <a:rPr lang="en-US" altLang="zh-TW" smtClean="0"/>
+              <a:rPr lang="en-US" altLang="zh-TW"/>
               <a:t>Second level</a:t>
             </a:r>
           </a:p>
           <a:p>
             <a:pPr lvl="2"/>
             <a:r>
-              <a:rPr lang="en-US" altLang="zh-TW" smtClean="0"/>
+              <a:rPr lang="en-US" altLang="zh-TW"/>
               <a:t>Third level</a:t>
             </a:r>
           </a:p>
           <a:p>
             <a:pPr lvl="3"/>
             <a:r>
-              <a:rPr lang="en-US" altLang="zh-TW" smtClean="0"/>
+              <a:rPr lang="en-US" altLang="zh-TW"/>
               <a:t>Fourth level</a:t>
             </a:r>
           </a:p>
           <a:p>
             <a:pPr lvl="4"/>
             <a:r>
-              <a:rPr lang="en-US" altLang="zh-TW" smtClean="0"/>
+              <a:rPr lang="en-US" altLang="zh-TW"/>
               <a:t>Fifth level</a:t>
             </a:r>
             <a:endParaRPr lang="zh-TW" altLang="en-US"/>
@@ -647,7 +647,7 @@
           <a:p>
             <a:fld id="{240AD954-D095-4822-9C12-342771123F63}" type="datetimeFigureOut">
               <a:rPr lang="vi-VN" smtClean="0"/>
-              <a:t>12/11/2021</a:t>
+              <a:t>20/01/2024</a:t>
             </a:fld>
             <a:endParaRPr lang="vi-VN"/>
           </a:p>
@@ -741,7 +741,7 @@
           <a:lstStyle/>
           <a:p>
             <a:r>
-              <a:rPr lang="en-US" altLang="zh-TW" smtClean="0"/>
+              <a:rPr lang="en-US" altLang="zh-TW"/>
               <a:t>Click to edit Master title style</a:t>
             </a:r>
             <a:endParaRPr lang="zh-TW" altLang="en-US"/>
@@ -765,35 +765,35 @@
           <a:p>
             <a:pPr lvl="0"/>
             <a:r>
-              <a:rPr lang="en-US" altLang="zh-TW" smtClean="0"/>
+              <a:rPr lang="en-US" altLang="zh-TW"/>
               <a:t>Edit Master text styles</a:t>
             </a:r>
           </a:p>
           <a:p>
             <a:pPr lvl="1"/>
             <a:r>
-              <a:rPr lang="en-US" altLang="zh-TW" smtClean="0"/>
+              <a:rPr lang="en-US" altLang="zh-TW"/>
               <a:t>Second level</a:t>
             </a:r>
           </a:p>
           <a:p>
             <a:pPr lvl="2"/>
             <a:r>
-              <a:rPr lang="en-US" altLang="zh-TW" smtClean="0"/>
+              <a:rPr lang="en-US" altLang="zh-TW"/>
               <a:t>Third level</a:t>
             </a:r>
           </a:p>
           <a:p>
             <a:pPr lvl="3"/>
             <a:r>
-              <a:rPr lang="en-US" altLang="zh-TW" smtClean="0"/>
+              <a:rPr lang="en-US" altLang="zh-TW"/>
               <a:t>Fourth level</a:t>
             </a:r>
           </a:p>
           <a:p>
             <a:pPr lvl="4"/>
             <a:r>
-              <a:rPr lang="en-US" altLang="zh-TW" smtClean="0"/>
+              <a:rPr lang="en-US" altLang="zh-TW"/>
               <a:t>Fifth level</a:t>
             </a:r>
             <a:endParaRPr lang="zh-TW" altLang="en-US"/>
@@ -817,7 +817,7 @@
           <a:p>
             <a:fld id="{240AD954-D095-4822-9C12-342771123F63}" type="datetimeFigureOut">
               <a:rPr lang="vi-VN" smtClean="0"/>
-              <a:t>12/11/2021</a:t>
+              <a:t>20/01/2024</a:t>
             </a:fld>
             <a:endParaRPr lang="vi-VN"/>
           </a:p>
@@ -920,7 +920,7 @@
           </a:lstStyle>
           <a:p>
             <a:r>
-              <a:rPr lang="en-US" altLang="zh-TW" smtClean="0"/>
+              <a:rPr lang="en-US" altLang="zh-TW"/>
               <a:t>Click to edit Master title style</a:t>
             </a:r>
             <a:endParaRPr lang="zh-TW" altLang="en-US"/>
@@ -1040,7 +1040,7 @@
           <a:p>
             <a:pPr lvl="0"/>
             <a:r>
-              <a:rPr lang="en-US" altLang="zh-TW" smtClean="0"/>
+              <a:rPr lang="en-US" altLang="zh-TW"/>
               <a:t>Edit Master text styles</a:t>
             </a:r>
           </a:p>
@@ -1063,7 +1063,7 @@
           <a:p>
             <a:fld id="{240AD954-D095-4822-9C12-342771123F63}" type="datetimeFigureOut">
               <a:rPr lang="vi-VN" smtClean="0"/>
-              <a:t>12/11/2021</a:t>
+              <a:t>20/01/2024</a:t>
             </a:fld>
             <a:endParaRPr lang="vi-VN"/>
           </a:p>
@@ -1157,7 +1157,7 @@
           <a:lstStyle/>
           <a:p>
             <a:r>
-              <a:rPr lang="en-US" altLang="zh-TW" smtClean="0"/>
+              <a:rPr lang="en-US" altLang="zh-TW"/>
               <a:t>Click to edit Master title style</a:t>
             </a:r>
             <a:endParaRPr lang="zh-TW" altLang="en-US"/>
@@ -1214,35 +1214,35 @@
           <a:p>
             <a:pPr lvl="0"/>
             <a:r>
-              <a:rPr lang="en-US" altLang="zh-TW" smtClean="0"/>
+              <a:rPr lang="en-US" altLang="zh-TW"/>
               <a:t>Edit Master text styles</a:t>
             </a:r>
           </a:p>
           <a:p>
             <a:pPr lvl="1"/>
             <a:r>
-              <a:rPr lang="en-US" altLang="zh-TW" smtClean="0"/>
+              <a:rPr lang="en-US" altLang="zh-TW"/>
               <a:t>Second level</a:t>
             </a:r>
           </a:p>
           <a:p>
             <a:pPr lvl="2"/>
             <a:r>
-              <a:rPr lang="en-US" altLang="zh-TW" smtClean="0"/>
+              <a:rPr lang="en-US" altLang="zh-TW"/>
               <a:t>Third level</a:t>
             </a:r>
           </a:p>
           <a:p>
             <a:pPr lvl="3"/>
             <a:r>
-              <a:rPr lang="en-US" altLang="zh-TW" smtClean="0"/>
+              <a:rPr lang="en-US" altLang="zh-TW"/>
               <a:t>Fourth level</a:t>
             </a:r>
           </a:p>
           <a:p>
             <a:pPr lvl="4"/>
             <a:r>
-              <a:rPr lang="en-US" altLang="zh-TW" smtClean="0"/>
+              <a:rPr lang="en-US" altLang="zh-TW"/>
               <a:t>Fifth level</a:t>
             </a:r>
             <a:endParaRPr lang="zh-TW" altLang="en-US"/>
@@ -1299,35 +1299,35 @@
           <a:p>
             <a:pPr lvl="0"/>
             <a:r>
-              <a:rPr lang="en-US" altLang="zh-TW" smtClean="0"/>
+              <a:rPr lang="en-US" altLang="zh-TW"/>
               <a:t>Edit Master text styles</a:t>
             </a:r>
           </a:p>
           <a:p>
             <a:pPr lvl="1"/>
             <a:r>
-              <a:rPr lang="en-US" altLang="zh-TW" smtClean="0"/>
+              <a:rPr lang="en-US" altLang="zh-TW"/>
               <a:t>Second level</a:t>
             </a:r>
           </a:p>
           <a:p>
             <a:pPr lvl="2"/>
             <a:r>
-              <a:rPr lang="en-US" altLang="zh-TW" smtClean="0"/>
+              <a:rPr lang="en-US" altLang="zh-TW"/>
               <a:t>Third level</a:t>
             </a:r>
           </a:p>
           <a:p>
             <a:pPr lvl="3"/>
             <a:r>
-              <a:rPr lang="en-US" altLang="zh-TW" smtClean="0"/>
+              <a:rPr lang="en-US" altLang="zh-TW"/>
               <a:t>Fourth level</a:t>
             </a:r>
           </a:p>
           <a:p>
             <a:pPr lvl="4"/>
             <a:r>
-              <a:rPr lang="en-US" altLang="zh-TW" smtClean="0"/>
+              <a:rPr lang="en-US" altLang="zh-TW"/>
               <a:t>Fifth level</a:t>
             </a:r>
             <a:endParaRPr lang="zh-TW" altLang="en-US"/>
@@ -1351,7 +1351,7 @@
           <a:p>
             <a:fld id="{240AD954-D095-4822-9C12-342771123F63}" type="datetimeFigureOut">
               <a:rPr lang="vi-VN" smtClean="0"/>
-              <a:t>12/11/2021</a:t>
+              <a:t>20/01/2024</a:t>
             </a:fld>
             <a:endParaRPr lang="vi-VN"/>
           </a:p>
@@ -1449,7 +1449,7 @@
           </a:lstStyle>
           <a:p>
             <a:r>
-              <a:rPr lang="en-US" altLang="zh-TW" smtClean="0"/>
+              <a:rPr lang="en-US" altLang="zh-TW"/>
               <a:t>Click to edit Master title style</a:t>
             </a:r>
             <a:endParaRPr lang="zh-TW" altLang="en-US"/>
@@ -1515,7 +1515,7 @@
           <a:p>
             <a:pPr lvl="0"/>
             <a:r>
-              <a:rPr lang="en-US" altLang="zh-TW" smtClean="0"/>
+              <a:rPr lang="en-US" altLang="zh-TW"/>
               <a:t>Edit Master text styles</a:t>
             </a:r>
           </a:p>
@@ -1571,35 +1571,35 @@
           <a:p>
             <a:pPr lvl="0"/>
             <a:r>
-              <a:rPr lang="en-US" altLang="zh-TW" smtClean="0"/>
+              <a:rPr lang="en-US" altLang="zh-TW"/>
               <a:t>Edit Master text styles</a:t>
             </a:r>
           </a:p>
           <a:p>
             <a:pPr lvl="1"/>
             <a:r>
-              <a:rPr lang="en-US" altLang="zh-TW" smtClean="0"/>
+              <a:rPr lang="en-US" altLang="zh-TW"/>
               <a:t>Second level</a:t>
             </a:r>
           </a:p>
           <a:p>
             <a:pPr lvl="2"/>
             <a:r>
-              <a:rPr lang="en-US" altLang="zh-TW" smtClean="0"/>
+              <a:rPr lang="en-US" altLang="zh-TW"/>
               <a:t>Third level</a:t>
             </a:r>
           </a:p>
           <a:p>
             <a:pPr lvl="3"/>
             <a:r>
-              <a:rPr lang="en-US" altLang="zh-TW" smtClean="0"/>
+              <a:rPr lang="en-US" altLang="zh-TW"/>
               <a:t>Fourth level</a:t>
             </a:r>
           </a:p>
           <a:p>
             <a:pPr lvl="4"/>
             <a:r>
-              <a:rPr lang="en-US" altLang="zh-TW" smtClean="0"/>
+              <a:rPr lang="en-US" altLang="zh-TW"/>
               <a:t>Fifth level</a:t>
             </a:r>
             <a:endParaRPr lang="zh-TW" altLang="en-US"/>
@@ -1665,7 +1665,7 @@
           <a:p>
             <a:pPr lvl="0"/>
             <a:r>
-              <a:rPr lang="en-US" altLang="zh-TW" smtClean="0"/>
+              <a:rPr lang="en-US" altLang="zh-TW"/>
               <a:t>Edit Master text styles</a:t>
             </a:r>
           </a:p>
@@ -1721,35 +1721,35 @@
           <a:p>
             <a:pPr lvl="0"/>
             <a:r>
-              <a:rPr lang="en-US" altLang="zh-TW" smtClean="0"/>
+              <a:rPr lang="en-US" altLang="zh-TW"/>
               <a:t>Edit Master text styles</a:t>
             </a:r>
           </a:p>
           <a:p>
             <a:pPr lvl="1"/>
             <a:r>
-              <a:rPr lang="en-US" altLang="zh-TW" smtClean="0"/>
+              <a:rPr lang="en-US" altLang="zh-TW"/>
               <a:t>Second level</a:t>
             </a:r>
           </a:p>
           <a:p>
             <a:pPr lvl="2"/>
             <a:r>
-              <a:rPr lang="en-US" altLang="zh-TW" smtClean="0"/>
+              <a:rPr lang="en-US" altLang="zh-TW"/>
               <a:t>Third level</a:t>
             </a:r>
           </a:p>
           <a:p>
             <a:pPr lvl="3"/>
             <a:r>
-              <a:rPr lang="en-US" altLang="zh-TW" smtClean="0"/>
+              <a:rPr lang="en-US" altLang="zh-TW"/>
               <a:t>Fourth level</a:t>
             </a:r>
           </a:p>
           <a:p>
             <a:pPr lvl="4"/>
             <a:r>
-              <a:rPr lang="en-US" altLang="zh-TW" smtClean="0"/>
+              <a:rPr lang="en-US" altLang="zh-TW"/>
               <a:t>Fifth level</a:t>
             </a:r>
             <a:endParaRPr lang="zh-TW" altLang="en-US"/>
@@ -1773,7 +1773,7 @@
           <a:p>
             <a:fld id="{240AD954-D095-4822-9C12-342771123F63}" type="datetimeFigureOut">
               <a:rPr lang="vi-VN" smtClean="0"/>
-              <a:t>12/11/2021</a:t>
+              <a:t>20/01/2024</a:t>
             </a:fld>
             <a:endParaRPr lang="vi-VN"/>
           </a:p>
@@ -1867,7 +1867,7 @@
           <a:lstStyle/>
           <a:p>
             <a:r>
-              <a:rPr lang="en-US" altLang="zh-TW" smtClean="0"/>
+              <a:rPr lang="en-US" altLang="zh-TW"/>
               <a:t>Click to edit Master title style</a:t>
             </a:r>
             <a:endParaRPr lang="zh-TW" altLang="en-US"/>
@@ -1891,7 +1891,7 @@
           <a:p>
             <a:fld id="{240AD954-D095-4822-9C12-342771123F63}" type="datetimeFigureOut">
               <a:rPr lang="vi-VN" smtClean="0"/>
-              <a:t>12/11/2021</a:t>
+              <a:t>20/01/2024</a:t>
             </a:fld>
             <a:endParaRPr lang="vi-VN"/>
           </a:p>
@@ -1986,7 +1986,7 @@
           <a:p>
             <a:fld id="{240AD954-D095-4822-9C12-342771123F63}" type="datetimeFigureOut">
               <a:rPr lang="vi-VN" smtClean="0"/>
-              <a:t>12/11/2021</a:t>
+              <a:t>20/01/2024</a:t>
             </a:fld>
             <a:endParaRPr lang="vi-VN"/>
           </a:p>
@@ -2089,7 +2089,7 @@
           </a:lstStyle>
           <a:p>
             <a:r>
-              <a:rPr lang="en-US" altLang="zh-TW" smtClean="0"/>
+              <a:rPr lang="en-US" altLang="zh-TW"/>
               <a:t>Click to edit Master title style</a:t>
             </a:r>
             <a:endParaRPr lang="zh-TW" altLang="en-US"/>
@@ -2146,35 +2146,35 @@
           <a:p>
             <a:pPr lvl="0"/>
             <a:r>
-              <a:rPr lang="en-US" altLang="zh-TW" smtClean="0"/>
+              <a:rPr lang="en-US" altLang="zh-TW"/>
               <a:t>Edit Master text styles</a:t>
             </a:r>
           </a:p>
           <a:p>
             <a:pPr lvl="1"/>
             <a:r>
-              <a:rPr lang="en-US" altLang="zh-TW" smtClean="0"/>
+              <a:rPr lang="en-US" altLang="zh-TW"/>
               <a:t>Second level</a:t>
             </a:r>
           </a:p>
           <a:p>
             <a:pPr lvl="2"/>
             <a:r>
-              <a:rPr lang="en-US" altLang="zh-TW" smtClean="0"/>
+              <a:rPr lang="en-US" altLang="zh-TW"/>
               <a:t>Third level</a:t>
             </a:r>
           </a:p>
           <a:p>
             <a:pPr lvl="3"/>
             <a:r>
-              <a:rPr lang="en-US" altLang="zh-TW" smtClean="0"/>
+              <a:rPr lang="en-US" altLang="zh-TW"/>
               <a:t>Fourth level</a:t>
             </a:r>
           </a:p>
           <a:p>
             <a:pPr lvl="4"/>
             <a:r>
-              <a:rPr lang="en-US" altLang="zh-TW" smtClean="0"/>
+              <a:rPr lang="en-US" altLang="zh-TW"/>
               <a:t>Fifth level</a:t>
             </a:r>
             <a:endParaRPr lang="zh-TW" altLang="en-US"/>
@@ -2240,7 +2240,7 @@
           <a:p>
             <a:pPr lvl="0"/>
             <a:r>
-              <a:rPr lang="en-US" altLang="zh-TW" smtClean="0"/>
+              <a:rPr lang="en-US" altLang="zh-TW"/>
               <a:t>Edit Master text styles</a:t>
             </a:r>
           </a:p>
@@ -2263,7 +2263,7 @@
           <a:p>
             <a:fld id="{240AD954-D095-4822-9C12-342771123F63}" type="datetimeFigureOut">
               <a:rPr lang="vi-VN" smtClean="0"/>
-              <a:t>12/11/2021</a:t>
+              <a:t>20/01/2024</a:t>
             </a:fld>
             <a:endParaRPr lang="vi-VN"/>
           </a:p>
@@ -2366,7 +2366,7 @@
           </a:lstStyle>
           <a:p>
             <a:r>
-              <a:rPr lang="en-US" altLang="zh-TW" smtClean="0"/>
+              <a:rPr lang="en-US" altLang="zh-TW"/>
               <a:t>Click to edit Master title style</a:t>
             </a:r>
             <a:endParaRPr lang="zh-TW" altLang="en-US"/>
@@ -2431,7 +2431,7 @@
           </a:lstStyle>
           <a:p>
             <a:r>
-              <a:rPr lang="en-US" altLang="zh-TW" smtClean="0"/>
+              <a:rPr lang="en-US" altLang="zh-TW"/>
               <a:t>Click icon to add picture</a:t>
             </a:r>
             <a:endParaRPr lang="zh-TW" altLang="en-US"/>
@@ -2497,7 +2497,7 @@
           <a:p>
             <a:pPr lvl="0"/>
             <a:r>
-              <a:rPr lang="en-US" altLang="zh-TW" smtClean="0"/>
+              <a:rPr lang="en-US" altLang="zh-TW"/>
               <a:t>Edit Master text styles</a:t>
             </a:r>
           </a:p>
@@ -2520,7 +2520,7 @@
           <a:p>
             <a:fld id="{240AD954-D095-4822-9C12-342771123F63}" type="datetimeFigureOut">
               <a:rPr lang="vi-VN" smtClean="0"/>
-              <a:t>12/11/2021</a:t>
+              <a:t>20/01/2024</a:t>
             </a:fld>
             <a:endParaRPr lang="vi-VN"/>
           </a:p>
@@ -2634,10 +2634,9 @@
           <a:lstStyle/>
           <a:p>
             <a:r>
-              <a:rPr lang="zh-TW" altLang="en-US" smtClean="0"/>
+              <a:rPr lang="zh-TW" altLang="en-US"/>
               <a:t>按一下以編輯母片標題樣式</a:t>
             </a:r>
-            <a:endParaRPr lang="zh-TW" altLang="en-US"/>
           </a:p>
         </p:txBody>
       </p:sp>
@@ -2668,38 +2667,37 @@
           <a:p>
             <a:pPr lvl="0"/>
             <a:r>
-              <a:rPr lang="zh-TW" altLang="en-US" smtClean="0"/>
+              <a:rPr lang="zh-TW" altLang="en-US"/>
               <a:t>按一下以編輯母片文字樣式</a:t>
             </a:r>
           </a:p>
           <a:p>
             <a:pPr lvl="1"/>
             <a:r>
-              <a:rPr lang="zh-TW" altLang="en-US" smtClean="0"/>
+              <a:rPr lang="zh-TW" altLang="en-US"/>
               <a:t>第二層</a:t>
             </a:r>
           </a:p>
           <a:p>
             <a:pPr lvl="2"/>
             <a:r>
-              <a:rPr lang="zh-TW" altLang="en-US" smtClean="0"/>
+              <a:rPr lang="zh-TW" altLang="en-US"/>
               <a:t>第三層</a:t>
             </a:r>
           </a:p>
           <a:p>
             <a:pPr lvl="3"/>
             <a:r>
-              <a:rPr lang="zh-TW" altLang="en-US" smtClean="0"/>
+              <a:rPr lang="zh-TW" altLang="en-US"/>
               <a:t>第四層</a:t>
             </a:r>
           </a:p>
           <a:p>
             <a:pPr lvl="4"/>
             <a:r>
-              <a:rPr lang="zh-TW" altLang="en-US" smtClean="0"/>
+              <a:rPr lang="zh-TW" altLang="en-US"/>
               <a:t>第五層</a:t>
             </a:r>
-            <a:endParaRPr lang="zh-TW" altLang="en-US"/>
           </a:p>
         </p:txBody>
       </p:sp>
@@ -2738,7 +2736,7 @@
           <a:p>
             <a:fld id="{240AD954-D095-4822-9C12-342771123F63}" type="datetimeFigureOut">
               <a:rPr lang="vi-VN" smtClean="0"/>
-              <a:t>12/11/2021</a:t>
+              <a:t>20/01/2024</a:t>
             </a:fld>
             <a:endParaRPr lang="vi-VN"/>
           </a:p>
@@ -3150,24 +3148,7 @@
                 <a:latin typeface="微軟正黑體" pitchFamily="34" charset="-120"/>
                 <a:ea typeface="微軟正黑體" pitchFamily="34" charset="-120"/>
               </a:rPr>
-              <a:t>我</a:t>
-            </a:r>
-            <a:r>
-              <a:rPr lang="zh-CN" altLang="en-US" sz="7200" b="1" i="1" dirty="0">
-                <a:solidFill>
-                  <a:srgbClr val="000066"/>
-                </a:solidFill>
-                <a:effectLst>
-                  <a:outerShdw blurRad="38100" dist="38100" dir="2700000" algn="tl">
-                    <a:srgbClr val="000000">
-                      <a:alpha val="43137"/>
-                    </a:srgbClr>
-                  </a:outerShdw>
-                </a:effectLst>
-                <a:latin typeface="微軟正黑體" pitchFamily="34" charset="-120"/>
-                <a:ea typeface="微軟正黑體" pitchFamily="34" charset="-120"/>
-              </a:rPr>
-              <a:t>要歡唱</a:t>
+              <a:t>我要歡唱</a:t>
             </a:r>
             <a:endParaRPr lang="zh-TW" altLang="en-US" sz="7200" b="1" i="1" dirty="0">
               <a:solidFill>
@@ -3249,7 +3230,7 @@
                 <a:latin typeface="微軟正黑體" pitchFamily="34" charset="-120"/>
                 <a:ea typeface="微軟正黑體" pitchFamily="34" charset="-120"/>
               </a:rPr>
-              <a:t>袮</a:t>
+              <a:t>祢</a:t>
             </a:r>
             <a:r>
               <a:rPr lang="zh-TW" altLang="en-US" sz="6400" b="1" dirty="0">
@@ -3259,27 +3240,7 @@
                 <a:latin typeface="微軟正黑體" pitchFamily="34" charset="-120"/>
                 <a:ea typeface="微軟正黑體" pitchFamily="34" charset="-120"/>
               </a:rPr>
-              <a:t>的慈愛  </a:t>
-            </a:r>
-            <a:r>
-              <a:rPr lang="zh-TW" altLang="en-US" sz="6400" b="1" dirty="0">
-                <a:solidFill>
-                  <a:srgbClr val="000066"/>
-                </a:solidFill>
-                <a:latin typeface="微軟正黑體" pitchFamily="34" charset="-120"/>
-                <a:ea typeface="微軟正黑體" pitchFamily="34" charset="-120"/>
-              </a:rPr>
-              <a:t> 高</a:t>
-            </a:r>
-            <a:r>
-              <a:rPr lang="zh-TW" altLang="en-US" sz="6400" b="1" dirty="0">
-                <a:solidFill>
-                  <a:srgbClr val="000066"/>
-                </a:solidFill>
-                <a:latin typeface="微軟正黑體" pitchFamily="34" charset="-120"/>
-                <a:ea typeface="微軟正黑體" pitchFamily="34" charset="-120"/>
-              </a:rPr>
-              <a:t>及諸天</a:t>
+              <a:t>的慈愛   高及諸天</a:t>
             </a:r>
             <a:endParaRPr lang="en-US" altLang="zh-TW" sz="6400" b="1" dirty="0">
               <a:solidFill>
@@ -3301,7 +3262,7 @@
                 <a:latin typeface="微軟正黑體" pitchFamily="34" charset="-120"/>
                 <a:ea typeface="微軟正黑體" pitchFamily="34" charset="-120"/>
               </a:rPr>
-              <a:t>袮</a:t>
+              <a:t>祢</a:t>
             </a:r>
             <a:r>
               <a:rPr lang="zh-TW" altLang="en-US" sz="6400" b="1" dirty="0">
@@ -3311,27 +3272,7 @@
                 <a:latin typeface="微軟正黑體" pitchFamily="34" charset="-120"/>
                 <a:ea typeface="微軟正黑體" pitchFamily="34" charset="-120"/>
               </a:rPr>
-              <a:t>的信實  </a:t>
-            </a:r>
-            <a:r>
-              <a:rPr lang="zh-TW" altLang="en-US" sz="6400" b="1" dirty="0">
-                <a:solidFill>
-                  <a:srgbClr val="000066"/>
-                </a:solidFill>
-                <a:latin typeface="微軟正黑體" pitchFamily="34" charset="-120"/>
-                <a:ea typeface="微軟正黑體" pitchFamily="34" charset="-120"/>
-              </a:rPr>
-              <a:t> 上</a:t>
-            </a:r>
-            <a:r>
-              <a:rPr lang="zh-TW" altLang="en-US" sz="6400" b="1" dirty="0">
-                <a:solidFill>
-                  <a:srgbClr val="000066"/>
-                </a:solidFill>
-                <a:latin typeface="微軟正黑體" pitchFamily="34" charset="-120"/>
-                <a:ea typeface="微軟正黑體" pitchFamily="34" charset="-120"/>
-              </a:rPr>
-              <a:t>達穹蒼</a:t>
+              <a:t>的信實   上達穹蒼</a:t>
             </a:r>
             <a:endParaRPr lang="en-US" altLang="zh-TW" sz="6400" b="1" dirty="0">
               <a:solidFill>
@@ -3483,7 +3424,7 @@
                 <a:latin typeface="Microsoft JhengHei" panose="020B0604030504040204" pitchFamily="34" charset="-120"/>
                 <a:ea typeface="Microsoft JhengHei" panose="020B0604030504040204" pitchFamily="34" charset="-120"/>
               </a:rPr>
-              <a:t>袮</a:t>
+              <a:t>祢</a:t>
             </a:r>
             <a:r>
               <a:rPr lang="zh-TW" altLang="en-US" sz="6400" b="1" dirty="0">
@@ -3525,7 +3466,7 @@
                 <a:latin typeface="Microsoft JhengHei" panose="020B0604030504040204" pitchFamily="34" charset="-120"/>
                 <a:ea typeface="Microsoft JhengHei" panose="020B0604030504040204" pitchFamily="34" charset="-120"/>
               </a:rPr>
-              <a:t>袮</a:t>
+              <a:t>祢</a:t>
             </a:r>
             <a:r>
               <a:rPr lang="zh-TW" altLang="en-US" sz="6400" b="1" dirty="0">
@@ -3696,7 +3637,7 @@
                 <a:latin typeface="Microsoft JhengHei" panose="020B0604030504040204" pitchFamily="34" charset="-120"/>
                 <a:ea typeface="Microsoft JhengHei" panose="020B0604030504040204" pitchFamily="34" charset="-120"/>
               </a:rPr>
-              <a:t>袮</a:t>
+              <a:t>祢</a:t>
             </a:r>
             <a:r>
               <a:rPr lang="zh-TW" altLang="en-US" sz="6400" b="1" dirty="0">
@@ -3890,7 +3831,7 @@
                 <a:latin typeface="Microsoft JhengHei" panose="020B0604030504040204" pitchFamily="34" charset="-120"/>
                 <a:ea typeface="Microsoft JhengHei" panose="020B0604030504040204" pitchFamily="34" charset="-120"/>
               </a:rPr>
-              <a:t>袮</a:t>
+              <a:t>祢</a:t>
             </a:r>
             <a:r>
               <a:rPr lang="zh-TW" altLang="en-US" sz="6400" b="1" dirty="0">
@@ -3932,7 +3873,7 @@
                 <a:latin typeface="Microsoft JhengHei" panose="020B0604030504040204" pitchFamily="34" charset="-120"/>
                 <a:ea typeface="Microsoft JhengHei" panose="020B0604030504040204" pitchFamily="34" charset="-120"/>
               </a:rPr>
-              <a:t>袮</a:t>
+              <a:t>祢</a:t>
             </a:r>
             <a:r>
               <a:rPr lang="zh-TW" altLang="en-US" sz="6400" b="1" dirty="0">
